--- a/vue-demo/Vue 学习培训.pptx
+++ b/vue-demo/Vue 学习培训.pptx
@@ -5,7 +5,7 @@
     <p:sldMasterId id="2147483648" r:id="rId1"/>
   </p:sldMasterIdLst>
   <p:notesMasterIdLst>
-    <p:notesMasterId r:id="rId8"/>
+    <p:notesMasterId r:id="rId9"/>
   </p:notesMasterIdLst>
   <p:sldIdLst>
     <p:sldId id="284" r:id="rId2"/>
@@ -13,7 +13,8 @@
     <p:sldId id="287" r:id="rId4"/>
     <p:sldId id="285" r:id="rId5"/>
     <p:sldId id="286" r:id="rId6"/>
-    <p:sldId id="288" r:id="rId7"/>
+    <p:sldId id="289" r:id="rId7"/>
+    <p:sldId id="288" r:id="rId8"/>
   </p:sldIdLst>
   <p:sldSz cx="12192000" cy="6858000"/>
   <p:notesSz cx="6858000" cy="9144000"/>
@@ -213,7 +214,7 @@
           <a:p>
             <a:fld id="{9E71081C-11B4-47D1-9ECE-42F6D633BA79}" type="datetimeFigureOut">
               <a:rPr lang="zh-CN" altLang="en-US" smtClean="0"/>
-              <a:t>2019/4/22</a:t>
+              <a:t>2019/4/24</a:t>
             </a:fld>
             <a:endParaRPr lang="zh-CN" altLang="en-US"/>
           </a:p>
@@ -693,7 +694,7 @@
           <a:p>
             <a:fld id="{9166FB0D-3649-4659-A4EA-16B622D04D18}" type="datetimeFigureOut">
               <a:rPr lang="zh-CN" altLang="en-US" smtClean="0"/>
-              <a:t>2019/4/22</a:t>
+              <a:t>2019/4/24</a:t>
             </a:fld>
             <a:endParaRPr lang="zh-CN" altLang="en-US"/>
           </a:p>
@@ -861,7 +862,7 @@
           <a:p>
             <a:fld id="{9166FB0D-3649-4659-A4EA-16B622D04D18}" type="datetimeFigureOut">
               <a:rPr lang="zh-CN" altLang="en-US" smtClean="0"/>
-              <a:t>2019/4/22</a:t>
+              <a:t>2019/4/24</a:t>
             </a:fld>
             <a:endParaRPr lang="zh-CN" altLang="en-US"/>
           </a:p>
@@ -1039,7 +1040,7 @@
           <a:p>
             <a:fld id="{9166FB0D-3649-4659-A4EA-16B622D04D18}" type="datetimeFigureOut">
               <a:rPr lang="zh-CN" altLang="en-US" smtClean="0"/>
-              <a:t>2019/4/22</a:t>
+              <a:t>2019/4/24</a:t>
             </a:fld>
             <a:endParaRPr lang="zh-CN" altLang="en-US"/>
           </a:p>
@@ -1207,7 +1208,7 @@
           <a:p>
             <a:fld id="{9166FB0D-3649-4659-A4EA-16B622D04D18}" type="datetimeFigureOut">
               <a:rPr lang="zh-CN" altLang="en-US" smtClean="0"/>
-              <a:t>2019/4/22</a:t>
+              <a:t>2019/4/24</a:t>
             </a:fld>
             <a:endParaRPr lang="zh-CN" altLang="en-US"/>
           </a:p>
@@ -1302,7 +1303,7 @@
           <a:p>
             <a:fld id="{9166FB0D-3649-4659-A4EA-16B622D04D18}" type="datetimeFigureOut">
               <a:rPr lang="zh-CN" altLang="en-US" smtClean="0"/>
-              <a:t>2019/4/22</a:t>
+              <a:t>2019/4/24</a:t>
             </a:fld>
             <a:endParaRPr lang="zh-CN" altLang="en-US"/>
           </a:p>
@@ -1708,7 +1709,7 @@
           <a:p>
             <a:fld id="{9166FB0D-3649-4659-A4EA-16B622D04D18}" type="datetimeFigureOut">
               <a:rPr lang="zh-CN" altLang="en-US" smtClean="0"/>
-              <a:t>2019/4/22</a:t>
+              <a:t>2019/4/24</a:t>
             </a:fld>
             <a:endParaRPr lang="zh-CN" altLang="en-US"/>
           </a:p>
@@ -2072,7 +2073,7 @@
           <a:p>
             <a:fld id="{9166FB0D-3649-4659-A4EA-16B622D04D18}" type="datetimeFigureOut">
               <a:rPr lang="zh-CN" altLang="en-US" smtClean="0"/>
-              <a:t>2019/4/22</a:t>
+              <a:t>2019/4/24</a:t>
             </a:fld>
             <a:endParaRPr lang="zh-CN" altLang="en-US"/>
           </a:p>
@@ -3000,7 +3001,7 @@
           <a:p>
             <a:fld id="{9166FB0D-3649-4659-A4EA-16B622D04D18}" type="datetimeFigureOut">
               <a:rPr lang="zh-CN" altLang="en-US" smtClean="0"/>
-              <a:t>2019/4/22</a:t>
+              <a:t>2019/4/24</a:t>
             </a:fld>
             <a:endParaRPr lang="zh-CN" altLang="en-US"/>
           </a:p>
@@ -3095,7 +3096,7 @@
           <a:p>
             <a:fld id="{9166FB0D-3649-4659-A4EA-16B622D04D18}" type="datetimeFigureOut">
               <a:rPr lang="zh-CN" altLang="en-US" smtClean="0"/>
-              <a:t>2019/4/22</a:t>
+              <a:t>2019/4/24</a:t>
             </a:fld>
             <a:endParaRPr lang="zh-CN" altLang="en-US"/>
           </a:p>
@@ -3370,7 +3371,7 @@
           <a:p>
             <a:fld id="{9166FB0D-3649-4659-A4EA-16B622D04D18}" type="datetimeFigureOut">
               <a:rPr lang="zh-CN" altLang="en-US" smtClean="0"/>
-              <a:t>2019/4/22</a:t>
+              <a:t>2019/4/24</a:t>
             </a:fld>
             <a:endParaRPr lang="zh-CN" altLang="en-US"/>
           </a:p>
@@ -3622,7 +3623,7 @@
           <a:p>
             <a:fld id="{9166FB0D-3649-4659-A4EA-16B622D04D18}" type="datetimeFigureOut">
               <a:rPr lang="zh-CN" altLang="en-US" smtClean="0"/>
-              <a:t>2019/4/22</a:t>
+              <a:t>2019/4/24</a:t>
             </a:fld>
             <a:endParaRPr lang="zh-CN" altLang="en-US"/>
           </a:p>
@@ -3847,7 +3848,7 @@
             <a:fld id="{9166FB0D-3649-4659-A4EA-16B622D04D18}" type="datetimeFigureOut">
               <a:rPr lang="zh-CN" altLang="en-US" smtClean="0"/>
               <a:pPr/>
-              <a:t>2019/4/22</a:t>
+              <a:t>2019/4/24</a:t>
             </a:fld>
             <a:endParaRPr lang="zh-CN" altLang="en-US" dirty="0"/>
           </a:p>
@@ -4513,8 +4514,8 @@
         </p:nvSpPr>
         <p:spPr>
           <a:xfrm>
-            <a:off x="4484657" y="2110828"/>
-            <a:ext cx="2961195" cy="400110"/>
+            <a:off x="4411720" y="2110828"/>
+            <a:ext cx="3107069" cy="400110"/>
           </a:xfrm>
           <a:prstGeom prst="rect">
             <a:avLst/>
@@ -4536,7 +4537,7 @@
                 <a:latin typeface="微软雅黑" panose="020B0503020204020204" pitchFamily="34" charset="-122"/>
                 <a:ea typeface="微软雅黑" panose="020B0503020204020204" pitchFamily="34" charset="-122"/>
               </a:rPr>
-              <a:t>Vue      </a:t>
+              <a:t>Vue      element-</a:t>
             </a:r>
             <a:r>
               <a:rPr lang="en-US" altLang="zh-CN" sz="2000" dirty="0" err="1">
@@ -4546,7 +4547,7 @@
                 <a:latin typeface="微软雅黑" panose="020B0503020204020204" pitchFamily="34" charset="-122"/>
                 <a:ea typeface="微软雅黑" panose="020B0503020204020204" pitchFamily="34" charset="-122"/>
               </a:rPr>
-              <a:t>lement-ui</a:t>
+              <a:t>ui</a:t>
             </a:r>
             <a:r>
               <a:rPr lang="en-US" altLang="zh-CN" sz="2000" dirty="0">
@@ -5648,7 +5649,7 @@
         </p:nvSpPr>
         <p:spPr>
           <a:xfrm>
-            <a:off x="6550365" y="4636462"/>
+            <a:off x="6550364" y="4839582"/>
             <a:ext cx="2455196" cy="338554"/>
           </a:xfrm>
           <a:prstGeom prst="rect">
@@ -5784,6 +5785,57 @@
             <a:endParaRPr lang="zh-CN" altLang="en-US" dirty="0">
               <a:ea typeface="微软雅黑" panose="020B0503020204020204" pitchFamily="34" charset="-122"/>
             </a:endParaRPr>
+          </a:p>
+        </p:txBody>
+      </p:sp>
+      <p:sp>
+        <p:nvSpPr>
+          <p:cNvPr id="14" name="文本框 13">
+            <a:extLst>
+              <a:ext uri="{FF2B5EF4-FFF2-40B4-BE49-F238E27FC236}">
+                <a16:creationId xmlns:a16="http://schemas.microsoft.com/office/drawing/2014/main" id="{5E80A6DB-1F26-4CCA-A8C6-47BD28195652}"/>
+              </a:ext>
+            </a:extLst>
+          </p:cNvPr>
+          <p:cNvSpPr txBox="1"/>
+          <p:nvPr/>
+        </p:nvSpPr>
+        <p:spPr>
+          <a:xfrm>
+            <a:off x="6550365" y="4249853"/>
+            <a:ext cx="2455196" cy="338554"/>
+          </a:xfrm>
+          <a:prstGeom prst="rect">
+            <a:avLst/>
+          </a:prstGeom>
+        </p:spPr>
+        <p:txBody>
+          <a:bodyPr wrap="square">
+            <a:spAutoFit/>
+          </a:bodyPr>
+          <a:lstStyle>
+            <a:defPPr>
+              <a:defRPr lang="zh-CN"/>
+            </a:defPPr>
+            <a:lvl1pPr algn="dist">
+              <a:defRPr sz="1600">
+                <a:solidFill>
+                  <a:schemeClr val="bg1"/>
+                </a:solidFill>
+                <a:latin typeface="+mj-ea"/>
+                <a:ea typeface="+mj-ea"/>
+              </a:defRPr>
+            </a:lvl1pPr>
+          </a:lstStyle>
+          <a:p>
+            <a:pPr algn="r"/>
+            <a:r>
+              <a:rPr lang="zh-CN" altLang="en-US" dirty="0">
+                <a:latin typeface="微软雅黑" panose="020B0503020204020204" pitchFamily="34" charset="-122"/>
+                <a:ea typeface="微软雅黑" panose="020B0503020204020204" pitchFamily="34" charset="-122"/>
+              </a:rPr>
+              <a:t>职位：前端开发工程师</a:t>
+            </a:r>
           </a:p>
         </p:txBody>
       </p:sp>
@@ -6134,6 +6186,50 @@
                             </p:childTnLst>
                           </p:cTn>
                         </p:par>
+                        <p:par>
+                          <p:cTn id="32" fill="hold">
+                            <p:stCondLst>
+                              <p:cond delay="3500"/>
+                            </p:stCondLst>
+                            <p:childTnLst>
+                              <p:par>
+                                <p:cTn id="33" presetID="10" presetClass="entr" presetSubtype="0" fill="hold" grpId="0" nodeType="afterEffect">
+                                  <p:stCondLst>
+                                    <p:cond delay="0"/>
+                                  </p:stCondLst>
+                                  <p:childTnLst>
+                                    <p:set>
+                                      <p:cBhvr>
+                                        <p:cTn id="34" dur="1" fill="hold">
+                                          <p:stCondLst>
+                                            <p:cond delay="0"/>
+                                          </p:stCondLst>
+                                        </p:cTn>
+                                        <p:tgtEl>
+                                          <p:spTgt spid="14"/>
+                                        </p:tgtEl>
+                                        <p:attrNameLst>
+                                          <p:attrName>style.visibility</p:attrName>
+                                        </p:attrNameLst>
+                                      </p:cBhvr>
+                                      <p:to>
+                                        <p:strVal val="visible"/>
+                                      </p:to>
+                                    </p:set>
+                                    <p:animEffect transition="in" filter="fade">
+                                      <p:cBhvr>
+                                        <p:cTn id="35" dur="500"/>
+                                        <p:tgtEl>
+                                          <p:spTgt spid="14"/>
+                                        </p:tgtEl>
+                                      </p:cBhvr>
+                                    </p:animEffect>
+                                  </p:childTnLst>
+                                </p:cTn>
+                              </p:par>
+                            </p:childTnLst>
+                          </p:cTn>
+                        </p:par>
                       </p:childTnLst>
                     </p:cTn>
                   </p:par>
@@ -6166,6 +6262,7 @@
       <p:bldP spid="11" grpId="0"/>
       <p:bldP spid="12" grpId="0"/>
       <p:bldP spid="13" grpId="0" animBg="1"/>
+      <p:bldP spid="14" grpId="0"/>
     </p:bldLst>
   </p:timing>
 </p:sld>
@@ -6370,7 +6467,7 @@
         </p:nvSpPr>
         <p:spPr>
           <a:xfrm>
-            <a:off x="5681072" y="4922861"/>
+            <a:off x="6051870" y="4325462"/>
             <a:ext cx="2346557" cy="400110"/>
           </a:xfrm>
           <a:prstGeom prst="rect">
@@ -6423,7 +6520,7 @@
         </p:nvSpPr>
         <p:spPr>
           <a:xfrm>
-            <a:off x="6921740" y="3228945"/>
+            <a:off x="7056905" y="3042964"/>
             <a:ext cx="2346557" cy="400110"/>
           </a:xfrm>
           <a:prstGeom prst="rect">
@@ -6522,7 +6619,7 @@
         </p:nvGrpSpPr>
         <p:grpSpPr>
           <a:xfrm>
-            <a:off x="3650658" y="4451210"/>
+            <a:off x="4262430" y="3723099"/>
             <a:ext cx="1049510" cy="1073450"/>
             <a:chOff x="4725240" y="3362993"/>
             <a:chExt cx="1049510" cy="1073450"/>
@@ -6749,7 +6846,7 @@
         </p:nvGrpSpPr>
         <p:grpSpPr>
           <a:xfrm>
-            <a:off x="5447699" y="2628552"/>
+            <a:off x="5735705" y="2339564"/>
             <a:ext cx="1073339" cy="1090770"/>
             <a:chOff x="5973659" y="2088249"/>
             <a:chExt cx="1073339" cy="1090770"/>
@@ -7362,6 +7459,293 @@
           </p:txBody>
         </p:sp>
       </p:grpSp>
+      <p:grpSp>
+        <p:nvGrpSpPr>
+          <p:cNvPr id="45" name="组合 44">
+            <a:extLst>
+              <a:ext uri="{FF2B5EF4-FFF2-40B4-BE49-F238E27FC236}">
+                <a16:creationId xmlns:a16="http://schemas.microsoft.com/office/drawing/2014/main" id="{083C4514-6129-4AEB-97BD-41D3C31BB73A}"/>
+              </a:ext>
+            </a:extLst>
+          </p:cNvPr>
+          <p:cNvGrpSpPr/>
+          <p:nvPr/>
+        </p:nvGrpSpPr>
+        <p:grpSpPr>
+          <a:xfrm>
+            <a:off x="2959053" y="5171331"/>
+            <a:ext cx="1049510" cy="1073450"/>
+            <a:chOff x="4725240" y="3362993"/>
+            <a:chExt cx="1049510" cy="1073450"/>
+          </a:xfrm>
+        </p:grpSpPr>
+        <p:sp>
+          <p:nvSpPr>
+            <p:cNvPr id="46" name="矩形 45">
+              <a:extLst>
+                <a:ext uri="{FF2B5EF4-FFF2-40B4-BE49-F238E27FC236}">
+                  <a16:creationId xmlns:a16="http://schemas.microsoft.com/office/drawing/2014/main" id="{3F7CEE56-8FCF-4269-AAE9-2EF0D7341117}"/>
+                </a:ext>
+              </a:extLst>
+            </p:cNvPr>
+            <p:cNvSpPr/>
+            <p:nvPr/>
+          </p:nvSpPr>
+          <p:spPr>
+            <a:xfrm rot="2700000">
+              <a:off x="4725240" y="3712543"/>
+              <a:ext cx="723900" cy="723900"/>
+            </a:xfrm>
+            <a:prstGeom prst="rect">
+              <a:avLst/>
+            </a:prstGeom>
+            <a:solidFill>
+              <a:srgbClr val="0F2C5D">
+                <a:alpha val="70000"/>
+              </a:srgbClr>
+            </a:solidFill>
+            <a:ln>
+              <a:noFill/>
+            </a:ln>
+          </p:spPr>
+          <p:style>
+            <a:lnRef idx="2">
+              <a:schemeClr val="accent1">
+                <a:shade val="50000"/>
+              </a:schemeClr>
+            </a:lnRef>
+            <a:fillRef idx="1">
+              <a:schemeClr val="accent1"/>
+            </a:fillRef>
+            <a:effectRef idx="0">
+              <a:schemeClr val="accent1"/>
+            </a:effectRef>
+            <a:fontRef idx="minor">
+              <a:schemeClr val="lt1"/>
+            </a:fontRef>
+          </p:style>
+          <p:txBody>
+            <a:bodyPr rtlCol="0" anchor="ctr"/>
+            <a:lstStyle/>
+            <a:p>
+              <a:pPr algn="ctr"/>
+              <a:endParaRPr lang="zh-CN" altLang="en-US" dirty="0">
+                <a:ea typeface="微软雅黑" panose="020B0503020204020204" pitchFamily="34" charset="-122"/>
+              </a:endParaRPr>
+            </a:p>
+          </p:txBody>
+        </p:sp>
+        <p:grpSp>
+          <p:nvGrpSpPr>
+            <p:cNvPr id="50" name="组合 49">
+              <a:extLst>
+                <a:ext uri="{FF2B5EF4-FFF2-40B4-BE49-F238E27FC236}">
+                  <a16:creationId xmlns:a16="http://schemas.microsoft.com/office/drawing/2014/main" id="{2BF94F5B-3DBD-4A9B-94C9-2E12F9E46AA9}"/>
+                </a:ext>
+              </a:extLst>
+            </p:cNvPr>
+            <p:cNvGrpSpPr/>
+            <p:nvPr/>
+          </p:nvGrpSpPr>
+          <p:grpSpPr>
+            <a:xfrm>
+              <a:off x="4753815" y="3362993"/>
+              <a:ext cx="1020935" cy="1065443"/>
+              <a:chOff x="4753815" y="3362993"/>
+              <a:chExt cx="1020935" cy="1065443"/>
+            </a:xfrm>
+          </p:grpSpPr>
+          <p:cxnSp>
+            <p:nvCxnSpPr>
+              <p:cNvPr id="52" name="直接连接符 51">
+                <a:extLst>
+                  <a:ext uri="{FF2B5EF4-FFF2-40B4-BE49-F238E27FC236}">
+                    <a16:creationId xmlns:a16="http://schemas.microsoft.com/office/drawing/2014/main" id="{DFE61C84-C172-4241-8D20-556379FC0825}"/>
+                  </a:ext>
+                </a:extLst>
+              </p:cNvPr>
+              <p:cNvCxnSpPr/>
+              <p:nvPr/>
+            </p:nvCxnSpPr>
+            <p:spPr>
+              <a:xfrm flipV="1">
+                <a:off x="5537026" y="3362993"/>
+                <a:ext cx="237724" cy="237725"/>
+              </a:xfrm>
+              <a:prstGeom prst="line">
+                <a:avLst/>
+              </a:prstGeom>
+              <a:ln w="3175">
+                <a:solidFill>
+                  <a:srgbClr val="0F2C5D"/>
+                </a:solidFill>
+              </a:ln>
+            </p:spPr>
+            <p:style>
+              <a:lnRef idx="1">
+                <a:schemeClr val="accent1"/>
+              </a:lnRef>
+              <a:fillRef idx="0">
+                <a:schemeClr val="accent1"/>
+              </a:fillRef>
+              <a:effectRef idx="0">
+                <a:schemeClr val="accent1"/>
+              </a:effectRef>
+              <a:fontRef idx="minor">
+                <a:schemeClr val="tx1"/>
+              </a:fontRef>
+            </p:style>
+          </p:cxnSp>
+          <p:sp>
+            <p:nvSpPr>
+              <p:cNvPr id="54" name="文本框 53">
+                <a:extLst>
+                  <a:ext uri="{FF2B5EF4-FFF2-40B4-BE49-F238E27FC236}">
+                    <a16:creationId xmlns:a16="http://schemas.microsoft.com/office/drawing/2014/main" id="{B5F4BCB1-1B9F-4CF7-9128-FD682E41B497}"/>
+                  </a:ext>
+                </a:extLst>
+              </p:cNvPr>
+              <p:cNvSpPr txBox="1"/>
+              <p:nvPr/>
+            </p:nvSpPr>
+            <p:spPr>
+              <a:xfrm>
+                <a:off x="4753815" y="3720550"/>
+                <a:ext cx="666750" cy="707886"/>
+              </a:xfrm>
+              <a:prstGeom prst="rect">
+                <a:avLst/>
+              </a:prstGeom>
+              <a:noFill/>
+            </p:spPr>
+            <p:txBody>
+              <a:bodyPr wrap="square" rtlCol="0">
+                <a:spAutoFit/>
+              </a:bodyPr>
+              <a:lstStyle/>
+              <a:p>
+                <a:pPr algn="ctr"/>
+                <a:r>
+                  <a:rPr lang="en-US" altLang="zh-CN" sz="4000" dirty="0">
+                    <a:solidFill>
+                      <a:schemeClr val="bg1"/>
+                    </a:solidFill>
+                    <a:latin typeface="微软雅黑" panose="020B0503020204020204" pitchFamily="34" charset="-122"/>
+                    <a:ea typeface="微软雅黑" panose="020B0503020204020204" pitchFamily="34" charset="-122"/>
+                  </a:rPr>
+                  <a:t>4</a:t>
+                </a:r>
+                <a:endParaRPr lang="zh-CN" altLang="en-US" sz="4000" dirty="0">
+                  <a:solidFill>
+                    <a:schemeClr val="bg1"/>
+                  </a:solidFill>
+                  <a:latin typeface="微软雅黑" panose="020B0503020204020204" pitchFamily="34" charset="-122"/>
+                  <a:ea typeface="微软雅黑" panose="020B0503020204020204" pitchFamily="34" charset="-122"/>
+                </a:endParaRPr>
+              </a:p>
+            </p:txBody>
+          </p:sp>
+          <p:sp>
+            <p:nvSpPr>
+              <p:cNvPr id="55" name="矩形 54">
+                <a:extLst>
+                  <a:ext uri="{FF2B5EF4-FFF2-40B4-BE49-F238E27FC236}">
+                    <a16:creationId xmlns:a16="http://schemas.microsoft.com/office/drawing/2014/main" id="{C112EF7F-9D43-497E-A631-8D3704F45DF1}"/>
+                  </a:ext>
+                </a:extLst>
+              </p:cNvPr>
+              <p:cNvSpPr/>
+              <p:nvPr/>
+            </p:nvSpPr>
+            <p:spPr>
+              <a:xfrm rot="2700000">
+                <a:off x="4807636" y="3786202"/>
+                <a:ext cx="576000" cy="576000"/>
+              </a:xfrm>
+              <a:prstGeom prst="rect">
+                <a:avLst/>
+              </a:prstGeom>
+              <a:noFill/>
+              <a:ln w="12700">
+                <a:solidFill>
+                  <a:schemeClr val="bg1">
+                    <a:lumMod val="95000"/>
+                  </a:schemeClr>
+                </a:solidFill>
+                <a:prstDash val="dash"/>
+              </a:ln>
+            </p:spPr>
+            <p:style>
+              <a:lnRef idx="2">
+                <a:schemeClr val="accent1">
+                  <a:shade val="50000"/>
+                </a:schemeClr>
+              </a:lnRef>
+              <a:fillRef idx="1">
+                <a:schemeClr val="accent1"/>
+              </a:fillRef>
+              <a:effectRef idx="0">
+                <a:schemeClr val="accent1"/>
+              </a:effectRef>
+              <a:fontRef idx="minor">
+                <a:schemeClr val="lt1"/>
+              </a:fontRef>
+            </p:style>
+            <p:txBody>
+              <a:bodyPr rtlCol="0" anchor="ctr"/>
+              <a:lstStyle/>
+              <a:p>
+                <a:pPr algn="ctr"/>
+                <a:endParaRPr lang="zh-CN" altLang="en-US" dirty="0">
+                  <a:ea typeface="微软雅黑" panose="020B0503020204020204" pitchFamily="34" charset="-122"/>
+                </a:endParaRPr>
+              </a:p>
+            </p:txBody>
+          </p:sp>
+        </p:grpSp>
+      </p:grpSp>
+      <p:sp>
+        <p:nvSpPr>
+          <p:cNvPr id="56" name="文本框 55">
+            <a:extLst>
+              <a:ext uri="{FF2B5EF4-FFF2-40B4-BE49-F238E27FC236}">
+                <a16:creationId xmlns:a16="http://schemas.microsoft.com/office/drawing/2014/main" id="{478EE993-652F-4B24-82F9-34875DDC1D45}"/>
+              </a:ext>
+            </a:extLst>
+          </p:cNvPr>
+          <p:cNvSpPr txBox="1"/>
+          <p:nvPr/>
+        </p:nvSpPr>
+        <p:spPr>
+          <a:xfrm>
+            <a:off x="4914783" y="5759863"/>
+            <a:ext cx="2346557" cy="400110"/>
+          </a:xfrm>
+          <a:prstGeom prst="rect">
+            <a:avLst/>
+          </a:prstGeom>
+          <a:noFill/>
+        </p:spPr>
+        <p:txBody>
+          <a:bodyPr wrap="square" rtlCol="0">
+            <a:spAutoFit/>
+          </a:bodyPr>
+          <a:lstStyle/>
+          <a:p>
+            <a:pPr algn="ctr"/>
+            <a:r>
+              <a:rPr lang="zh-CN" altLang="en-US" sz="2000" b="1" dirty="0">
+                <a:solidFill>
+                  <a:srgbClr val="0F2C5D"/>
+                </a:solidFill>
+                <a:latin typeface="微软雅黑" panose="020B0503020204020204" pitchFamily="34" charset="-122"/>
+                <a:ea typeface="微软雅黑" panose="020B0503020204020204" pitchFamily="34" charset="-122"/>
+              </a:rPr>
+              <a:t>组件</a:t>
+            </a:r>
+          </a:p>
+        </p:txBody>
+      </p:sp>
     </p:spTree>
     <p:extLst>
       <p:ext uri="{BB962C8B-B14F-4D97-AF65-F5344CB8AC3E}">
@@ -7621,6 +8005,50 @@
                             </p:childTnLst>
                           </p:cTn>
                         </p:par>
+                        <p:par>
+                          <p:cTn id="22" fill="hold">
+                            <p:stCondLst>
+                              <p:cond delay="1500"/>
+                            </p:stCondLst>
+                            <p:childTnLst>
+                              <p:par>
+                                <p:cTn id="23" presetID="22" presetClass="entr" presetSubtype="1" fill="hold" nodeType="afterEffect">
+                                  <p:stCondLst>
+                                    <p:cond delay="0"/>
+                                  </p:stCondLst>
+                                  <p:childTnLst>
+                                    <p:set>
+                                      <p:cBhvr>
+                                        <p:cTn id="24" dur="1" fill="hold">
+                                          <p:stCondLst>
+                                            <p:cond delay="0"/>
+                                          </p:stCondLst>
+                                        </p:cTn>
+                                        <p:tgtEl>
+                                          <p:spTgt spid="45"/>
+                                        </p:tgtEl>
+                                        <p:attrNameLst>
+                                          <p:attrName>style.visibility</p:attrName>
+                                        </p:attrNameLst>
+                                      </p:cBhvr>
+                                      <p:to>
+                                        <p:strVal val="visible"/>
+                                      </p:to>
+                                    </p:set>
+                                    <p:animEffect transition="in" filter="wipe(up)">
+                                      <p:cBhvr>
+                                        <p:cTn id="25" dur="500"/>
+                                        <p:tgtEl>
+                                          <p:spTgt spid="45"/>
+                                        </p:tgtEl>
+                                      </p:cBhvr>
+                                    </p:animEffect>
+                                  </p:childTnLst>
+                                </p:cTn>
+                              </p:par>
+                            </p:childTnLst>
+                          </p:cTn>
+                        </p:par>
                       </p:childTnLst>
                     </p:cTn>
                   </p:par>
@@ -7837,10 +8265,10 @@
                 <a:latin typeface="微软雅黑" panose="020B0503020204020204" pitchFamily="34" charset="-122"/>
                 <a:ea typeface="微软雅黑" panose="020B0503020204020204" pitchFamily="34" charset="-122"/>
               </a:rPr>
-              <a:t>	Vue.js </a:t>
-            </a:r>
-            <a:r>
-              <a:rPr lang="zh-CN" altLang="en-US" sz="1800" spc="67" dirty="0">
+              <a:t>	</a:t>
+            </a:r>
+            <a:r>
+              <a:rPr lang="en-US" altLang="zh-CN" sz="1800" b="1" spc="67" dirty="0">
                 <a:solidFill>
                   <a:schemeClr val="tx1">
                     <a:lumMod val="75000"/>
@@ -7850,10 +8278,10 @@
                 <a:latin typeface="微软雅黑" panose="020B0503020204020204" pitchFamily="34" charset="-122"/>
                 <a:ea typeface="微软雅黑" panose="020B0503020204020204" pitchFamily="34" charset="-122"/>
               </a:rPr>
-              <a:t>是一套构建用户界面的渐进式框架，与其他重量级框架不同的是，</a:t>
-            </a:r>
-            <a:r>
-              <a:rPr lang="en-US" altLang="zh-CN" sz="1800" spc="67" dirty="0">
+              <a:t>Vue.js </a:t>
+            </a:r>
+            <a:r>
+              <a:rPr lang="zh-CN" altLang="en-US" sz="1800" b="1" spc="67" dirty="0">
                 <a:solidFill>
                   <a:schemeClr val="tx1">
                     <a:lumMod val="75000"/>
@@ -7863,10 +8291,10 @@
                 <a:latin typeface="微软雅黑" panose="020B0503020204020204" pitchFamily="34" charset="-122"/>
                 <a:ea typeface="微软雅黑" panose="020B0503020204020204" pitchFamily="34" charset="-122"/>
               </a:rPr>
-              <a:t>Vue</a:t>
-            </a:r>
-            <a:r>
-              <a:rPr lang="zh-CN" altLang="en-US" sz="1800" spc="67" dirty="0">
+              <a:t>是一套构建用户界面的渐进式框架，与其他重量级框架不同的是，</a:t>
+            </a:r>
+            <a:r>
+              <a:rPr lang="en-US" altLang="zh-CN" sz="1800" b="1" spc="67" dirty="0">
                 <a:solidFill>
                   <a:schemeClr val="tx1">
                     <a:lumMod val="75000"/>
@@ -7876,10 +8304,10 @@
                 <a:latin typeface="微软雅黑" panose="020B0503020204020204" pitchFamily="34" charset="-122"/>
                 <a:ea typeface="微软雅黑" panose="020B0503020204020204" pitchFamily="34" charset="-122"/>
               </a:rPr>
-              <a:t>采用自底向上的增量开发的设计。</a:t>
-            </a:r>
-            <a:r>
-              <a:rPr lang="en-US" altLang="zh-CN" sz="1800" spc="67" dirty="0">
+              <a:t>Vue</a:t>
+            </a:r>
+            <a:r>
+              <a:rPr lang="zh-CN" altLang="en-US" sz="1800" b="1" spc="67" dirty="0">
                 <a:solidFill>
                   <a:schemeClr val="tx1">
                     <a:lumMod val="75000"/>
@@ -7889,10 +8317,23 @@
                 <a:latin typeface="微软雅黑" panose="020B0503020204020204" pitchFamily="34" charset="-122"/>
                 <a:ea typeface="微软雅黑" panose="020B0503020204020204" pitchFamily="34" charset="-122"/>
               </a:rPr>
+              <a:t>采用自底向上的增量开发的设计。</a:t>
+            </a:r>
+            <a:r>
+              <a:rPr lang="en-US" altLang="zh-CN" sz="1800" b="1" spc="67" dirty="0">
+                <a:solidFill>
+                  <a:schemeClr val="tx1">
+                    <a:lumMod val="75000"/>
+                    <a:lumOff val="25000"/>
+                  </a:schemeClr>
+                </a:solidFill>
+                <a:latin typeface="微软雅黑" panose="020B0503020204020204" pitchFamily="34" charset="-122"/>
+                <a:ea typeface="微软雅黑" panose="020B0503020204020204" pitchFamily="34" charset="-122"/>
+              </a:rPr>
               <a:t>Vue</a:t>
             </a:r>
             <a:r>
-              <a:rPr lang="zh-CN" altLang="en-US" sz="1800" spc="67" dirty="0">
+              <a:rPr lang="zh-CN" altLang="en-US" sz="1800" b="1" spc="67" dirty="0">
                 <a:solidFill>
                   <a:schemeClr val="tx1">
                     <a:lumMod val="75000"/>
@@ -7917,8 +8358,8 @@
         </p:nvSpPr>
         <p:spPr bwMode="auto">
           <a:xfrm>
-            <a:off x="1509183" y="2998113"/>
-            <a:ext cx="9173633" cy="605294"/>
+            <a:off x="1574949" y="4468962"/>
+            <a:ext cx="9173633" cy="1118255"/>
           </a:xfrm>
           <a:prstGeom prst="rect">
             <a:avLst/>
@@ -8069,7 +8510,7 @@
               <a:defRPr/>
             </a:pPr>
             <a:r>
-              <a:rPr lang="en-US" altLang="zh-CN" sz="1800" dirty="0">
+              <a:rPr lang="en-US" altLang="zh-CN" sz="1800" b="1" dirty="0">
                 <a:solidFill>
                   <a:schemeClr val="tx1">
                     <a:lumMod val="75000"/>
@@ -8079,10 +8520,10 @@
                 <a:latin typeface="微软雅黑" panose="020B0503020204020204" pitchFamily="34" charset="-122"/>
                 <a:ea typeface="微软雅黑" panose="020B0503020204020204" pitchFamily="34" charset="-122"/>
               </a:rPr>
-              <a:t>	Vue</a:t>
-            </a:r>
-            <a:r>
-              <a:rPr lang="zh-CN" altLang="en-US" sz="1800" dirty="0">
+              <a:t>Vue </a:t>
+            </a:r>
+            <a:r>
+              <a:rPr lang="zh-CN" altLang="en-US" sz="1800" b="1" dirty="0">
                 <a:solidFill>
                   <a:schemeClr val="tx1">
                     <a:lumMod val="75000"/>
@@ -8092,10 +8533,10 @@
                 <a:latin typeface="微软雅黑" panose="020B0503020204020204" pitchFamily="34" charset="-122"/>
                 <a:ea typeface="微软雅黑" panose="020B0503020204020204" pitchFamily="34" charset="-122"/>
               </a:rPr>
-              <a:t>是一个数据驱动页面的一个框架，基于</a:t>
-            </a:r>
-            <a:r>
-              <a:rPr lang="en-US" altLang="zh-CN" sz="1800" dirty="0">
+              <a:t>虚拟</a:t>
+            </a:r>
+            <a:r>
+              <a:rPr lang="en-US" altLang="zh-CN" sz="1800" b="1" dirty="0">
                 <a:solidFill>
                   <a:schemeClr val="tx1">
                     <a:lumMod val="75000"/>
@@ -8105,10 +8546,10 @@
                 <a:latin typeface="微软雅黑" panose="020B0503020204020204" pitchFamily="34" charset="-122"/>
                 <a:ea typeface="微软雅黑" panose="020B0503020204020204" pitchFamily="34" charset="-122"/>
               </a:rPr>
-              <a:t>MVVM</a:t>
-            </a:r>
-            <a:r>
-              <a:rPr lang="zh-CN" altLang="en-US" sz="1800" dirty="0">
+              <a:t>DOM </a:t>
+            </a:r>
+            <a:r>
+              <a:rPr lang="zh-CN" altLang="en-US" sz="1800" b="1" dirty="0">
                 <a:solidFill>
                   <a:schemeClr val="tx1">
                     <a:lumMod val="75000"/>
@@ -8118,10 +8559,31 @@
                 <a:latin typeface="微软雅黑" panose="020B0503020204020204" pitchFamily="34" charset="-122"/>
                 <a:ea typeface="微软雅黑" panose="020B0503020204020204" pitchFamily="34" charset="-122"/>
               </a:rPr>
-              <a:t>模式，</a:t>
-            </a:r>
-            <a:r>
-              <a:rPr lang="en-US" altLang="zh-CN" sz="1800" dirty="0">
+              <a:t>与 双向数据绑定</a:t>
+            </a:r>
+            <a:endParaRPr lang="en-US" altLang="zh-CN" sz="1800" b="1" dirty="0">
+              <a:solidFill>
+                <a:schemeClr val="tx1">
+                  <a:lumMod val="75000"/>
+                  <a:lumOff val="25000"/>
+                </a:schemeClr>
+              </a:solidFill>
+              <a:latin typeface="微软雅黑" panose="020B0503020204020204" pitchFamily="34" charset="-122"/>
+              <a:ea typeface="微软雅黑" panose="020B0503020204020204" pitchFamily="34" charset="-122"/>
+            </a:endParaRPr>
+          </a:p>
+          <a:p>
+            <a:pPr algn="just" defTabSz="914377">
+              <a:lnSpc>
+                <a:spcPts val="2000"/>
+              </a:lnSpc>
+              <a:buClr>
+                <a:srgbClr val="0070C0"/>
+              </a:buClr>
+              <a:defRPr/>
+            </a:pPr>
+            <a:r>
+              <a:rPr lang="en-US" altLang="zh-CN" sz="1800" b="1" dirty="0" err="1">
                 <a:solidFill>
                   <a:schemeClr val="tx1">
                     <a:lumMod val="75000"/>
@@ -8131,10 +8593,10 @@
                 <a:latin typeface="微软雅黑" panose="020B0503020204020204" pitchFamily="34" charset="-122"/>
                 <a:ea typeface="微软雅黑" panose="020B0503020204020204" pitchFamily="34" charset="-122"/>
               </a:rPr>
-              <a:t>M</a:t>
-            </a:r>
-            <a:r>
-              <a:rPr lang="zh-CN" altLang="en-US" sz="1800" dirty="0">
+              <a:t>Jquery</a:t>
+            </a:r>
+            <a:r>
+              <a:rPr lang="en-US" altLang="zh-CN" sz="1800" b="1" dirty="0">
                 <a:solidFill>
                   <a:schemeClr val="tx1">
                     <a:lumMod val="75000"/>
@@ -8144,10 +8606,10 @@
                 <a:latin typeface="微软雅黑" panose="020B0503020204020204" pitchFamily="34" charset="-122"/>
                 <a:ea typeface="微软雅黑" panose="020B0503020204020204" pitchFamily="34" charset="-122"/>
               </a:rPr>
-              <a:t>指的是数据，</a:t>
-            </a:r>
-            <a:r>
-              <a:rPr lang="en-US" altLang="zh-CN" sz="1800" dirty="0">
+              <a:t> </a:t>
+            </a:r>
+            <a:r>
+              <a:rPr lang="zh-CN" altLang="en-US" sz="1800" b="1" dirty="0">
                 <a:solidFill>
                   <a:schemeClr val="tx1">
                     <a:lumMod val="75000"/>
@@ -8157,10 +8619,10 @@
                 <a:latin typeface="微软雅黑" panose="020B0503020204020204" pitchFamily="34" charset="-122"/>
                 <a:ea typeface="微软雅黑" panose="020B0503020204020204" pitchFamily="34" charset="-122"/>
               </a:rPr>
-              <a:t>V</a:t>
-            </a:r>
-            <a:r>
-              <a:rPr lang="zh-CN" altLang="en-US" sz="1800" dirty="0">
+              <a:t>特点操作</a:t>
+            </a:r>
+            <a:r>
+              <a:rPr lang="en-US" altLang="zh-CN" sz="1800" b="1" dirty="0">
                 <a:solidFill>
                   <a:schemeClr val="tx1">
                     <a:lumMod val="75000"/>
@@ -8170,10 +8632,42 @@
                 <a:latin typeface="微软雅黑" panose="020B0503020204020204" pitchFamily="34" charset="-122"/>
                 <a:ea typeface="微软雅黑" panose="020B0503020204020204" pitchFamily="34" charset="-122"/>
               </a:rPr>
-              <a:t>指的是视图，</a:t>
-            </a:r>
-            <a:r>
-              <a:rPr lang="en-US" altLang="zh-CN" sz="1800" dirty="0">
+              <a:t>DOM</a:t>
+            </a:r>
+          </a:p>
+          <a:p>
+            <a:pPr algn="just" defTabSz="914377">
+              <a:lnSpc>
+                <a:spcPts val="2000"/>
+              </a:lnSpc>
+              <a:buClr>
+                <a:srgbClr val="0070C0"/>
+              </a:buClr>
+              <a:defRPr/>
+            </a:pPr>
+            <a:endParaRPr lang="en-US" altLang="zh-CN" sz="1800" b="1" dirty="0">
+              <a:solidFill>
+                <a:schemeClr val="tx1">
+                  <a:lumMod val="75000"/>
+                  <a:lumOff val="25000"/>
+                </a:schemeClr>
+              </a:solidFill>
+              <a:latin typeface="微软雅黑" panose="020B0503020204020204" pitchFamily="34" charset="-122"/>
+              <a:ea typeface="微软雅黑" panose="020B0503020204020204" pitchFamily="34" charset="-122"/>
+            </a:endParaRPr>
+          </a:p>
+          <a:p>
+            <a:pPr algn="just" defTabSz="914377">
+              <a:lnSpc>
+                <a:spcPts val="2000"/>
+              </a:lnSpc>
+              <a:buClr>
+                <a:srgbClr val="0070C0"/>
+              </a:buClr>
+              <a:defRPr/>
+            </a:pPr>
+            <a:r>
+              <a:rPr lang="zh-CN" altLang="en-US" sz="1800" b="1" dirty="0">
                 <a:solidFill>
                   <a:schemeClr val="tx1">
                     <a:lumMod val="75000"/>
@@ -8183,10 +8677,10 @@
                 <a:latin typeface="微软雅黑" panose="020B0503020204020204" pitchFamily="34" charset="-122"/>
                 <a:ea typeface="微软雅黑" panose="020B0503020204020204" pitchFamily="34" charset="-122"/>
               </a:rPr>
-              <a:t>VM</a:t>
-            </a:r>
-            <a:r>
-              <a:rPr lang="zh-CN" altLang="en-US" sz="1800" dirty="0">
+              <a:t>详细对比说明：</a:t>
+            </a:r>
+            <a:r>
+              <a:rPr lang="en-US" altLang="zh-CN" sz="1800" b="1" dirty="0">
                 <a:solidFill>
                   <a:schemeClr val="tx1">
                     <a:lumMod val="75000"/>
@@ -8195,10 +8689,11 @@
                 </a:solidFill>
                 <a:latin typeface="微软雅黑" panose="020B0503020204020204" pitchFamily="34" charset="-122"/>
                 <a:ea typeface="微软雅黑" panose="020B0503020204020204" pitchFamily="34" charset="-122"/>
-              </a:rPr>
-              <a:t>指的是数据模型，将数据绑定在视图上</a:t>
-            </a:r>
-            <a:endParaRPr lang="en-US" altLang="zh-CN" sz="1800" dirty="0">
+                <a:hlinkClick r:id="rId2"/>
+              </a:rPr>
+              <a:t>https://www.cnblogs.com/MR-YY/p/6898464.html</a:t>
+            </a:r>
+            <a:endParaRPr lang="en-US" altLang="zh-CN" sz="1800" b="1" dirty="0">
               <a:solidFill>
                 <a:schemeClr val="tx1">
                   <a:lumMod val="75000"/>
@@ -8237,6 +8732,225 @@
               <a:t>Vue</a:t>
             </a:r>
             <a:endParaRPr lang="zh-CN" altLang="en-US" dirty="0"/>
+          </a:p>
+        </p:txBody>
+      </p:sp>
+      <p:sp>
+        <p:nvSpPr>
+          <p:cNvPr id="5" name="矩形 4">
+            <a:extLst>
+              <a:ext uri="{FF2B5EF4-FFF2-40B4-BE49-F238E27FC236}">
+                <a16:creationId xmlns:a16="http://schemas.microsoft.com/office/drawing/2014/main" id="{F07D9268-4BA7-4E49-B2DB-9811AF0E29BE}"/>
+              </a:ext>
+            </a:extLst>
+          </p:cNvPr>
+          <p:cNvSpPr>
+            <a:spLocks noChangeArrowheads="1"/>
+          </p:cNvSpPr>
+          <p:nvPr/>
+        </p:nvSpPr>
+        <p:spPr bwMode="auto">
+          <a:xfrm>
+            <a:off x="1509183" y="3567546"/>
+            <a:ext cx="9173633" cy="370166"/>
+          </a:xfrm>
+          <a:prstGeom prst="rect">
+            <a:avLst/>
+          </a:prstGeom>
+          <a:noFill/>
+          <a:ln>
+            <a:noFill/>
+          </a:ln>
+          <a:extLst>
+            <a:ext uri="{909E8E84-426E-40DD-AFC4-6F175D3DCCD1}">
+              <a14:hiddenFill xmlns:a14="http://schemas.microsoft.com/office/drawing/2010/main">
+                <a:solidFill>
+                  <a:srgbClr val="FFFFFF"/>
+                </a:solidFill>
+              </a14:hiddenFill>
+            </a:ext>
+            <a:ext uri="{91240B29-F687-4F45-9708-019B960494DF}">
+              <a14:hiddenLine xmlns:a14="http://schemas.microsoft.com/office/drawing/2010/main" w="9525">
+                <a:solidFill>
+                  <a:srgbClr val="000000"/>
+                </a:solidFill>
+                <a:miter lim="800000"/>
+                <a:headEnd/>
+                <a:tailEnd/>
+              </a14:hiddenLine>
+            </a:ext>
+          </a:extLst>
+        </p:spPr>
+        <p:txBody>
+          <a:bodyPr>
+            <a:spAutoFit/>
+          </a:bodyPr>
+          <a:lstStyle>
+            <a:lvl1pPr>
+              <a:defRPr sz="1300">
+                <a:solidFill>
+                  <a:schemeClr val="tx1"/>
+                </a:solidFill>
+                <a:latin typeface="Calibri" panose="020F0502020204030204" pitchFamily="34" charset="0"/>
+                <a:ea typeface="宋体" panose="02010600030101010101" pitchFamily="2" charset="-122"/>
+              </a:defRPr>
+            </a:lvl1pPr>
+            <a:lvl2pPr marL="742950" indent="-285750">
+              <a:defRPr sz="1300">
+                <a:solidFill>
+                  <a:schemeClr val="tx1"/>
+                </a:solidFill>
+                <a:latin typeface="Calibri" panose="020F0502020204030204" pitchFamily="34" charset="0"/>
+                <a:ea typeface="宋体" panose="02010600030101010101" pitchFamily="2" charset="-122"/>
+              </a:defRPr>
+            </a:lvl2pPr>
+            <a:lvl3pPr marL="1143000" indent="-228600">
+              <a:defRPr sz="1300">
+                <a:solidFill>
+                  <a:schemeClr val="tx1"/>
+                </a:solidFill>
+                <a:latin typeface="Calibri" panose="020F0502020204030204" pitchFamily="34" charset="0"/>
+                <a:ea typeface="宋体" panose="02010600030101010101" pitchFamily="2" charset="-122"/>
+              </a:defRPr>
+            </a:lvl3pPr>
+            <a:lvl4pPr marL="1600200" indent="-228600">
+              <a:defRPr sz="1300">
+                <a:solidFill>
+                  <a:schemeClr val="tx1"/>
+                </a:solidFill>
+                <a:latin typeface="Calibri" panose="020F0502020204030204" pitchFamily="34" charset="0"/>
+                <a:ea typeface="宋体" panose="02010600030101010101" pitchFamily="2" charset="-122"/>
+              </a:defRPr>
+            </a:lvl4pPr>
+            <a:lvl5pPr marL="2057400" indent="-228600">
+              <a:defRPr sz="1300">
+                <a:solidFill>
+                  <a:schemeClr val="tx1"/>
+                </a:solidFill>
+                <a:latin typeface="Calibri" panose="020F0502020204030204" pitchFamily="34" charset="0"/>
+                <a:ea typeface="宋体" panose="02010600030101010101" pitchFamily="2" charset="-122"/>
+              </a:defRPr>
+            </a:lvl5pPr>
+            <a:lvl6pPr marL="2514600" indent="-228600" eaLnBrk="0" fontAlgn="base" hangingPunct="0">
+              <a:spcBef>
+                <a:spcPct val="0"/>
+              </a:spcBef>
+              <a:spcAft>
+                <a:spcPct val="0"/>
+              </a:spcAft>
+              <a:defRPr sz="1300">
+                <a:solidFill>
+                  <a:schemeClr val="tx1"/>
+                </a:solidFill>
+                <a:latin typeface="Calibri" panose="020F0502020204030204" pitchFamily="34" charset="0"/>
+                <a:ea typeface="宋体" panose="02010600030101010101" pitchFamily="2" charset="-122"/>
+              </a:defRPr>
+            </a:lvl6pPr>
+            <a:lvl7pPr marL="2971800" indent="-228600" eaLnBrk="0" fontAlgn="base" hangingPunct="0">
+              <a:spcBef>
+                <a:spcPct val="0"/>
+              </a:spcBef>
+              <a:spcAft>
+                <a:spcPct val="0"/>
+              </a:spcAft>
+              <a:defRPr sz="1300">
+                <a:solidFill>
+                  <a:schemeClr val="tx1"/>
+                </a:solidFill>
+                <a:latin typeface="Calibri" panose="020F0502020204030204" pitchFamily="34" charset="0"/>
+                <a:ea typeface="宋体" panose="02010600030101010101" pitchFamily="2" charset="-122"/>
+              </a:defRPr>
+            </a:lvl7pPr>
+            <a:lvl8pPr marL="3429000" indent="-228600" eaLnBrk="0" fontAlgn="base" hangingPunct="0">
+              <a:spcBef>
+                <a:spcPct val="0"/>
+              </a:spcBef>
+              <a:spcAft>
+                <a:spcPct val="0"/>
+              </a:spcAft>
+              <a:defRPr sz="1300">
+                <a:solidFill>
+                  <a:schemeClr val="tx1"/>
+                </a:solidFill>
+                <a:latin typeface="Calibri" panose="020F0502020204030204" pitchFamily="34" charset="0"/>
+                <a:ea typeface="宋体" panose="02010600030101010101" pitchFamily="2" charset="-122"/>
+              </a:defRPr>
+            </a:lvl8pPr>
+            <a:lvl9pPr marL="3886200" indent="-228600" eaLnBrk="0" fontAlgn="base" hangingPunct="0">
+              <a:spcBef>
+                <a:spcPct val="0"/>
+              </a:spcBef>
+              <a:spcAft>
+                <a:spcPct val="0"/>
+              </a:spcAft>
+              <a:defRPr sz="1300">
+                <a:solidFill>
+                  <a:schemeClr val="tx1"/>
+                </a:solidFill>
+                <a:latin typeface="Calibri" panose="020F0502020204030204" pitchFamily="34" charset="0"/>
+                <a:ea typeface="宋体" panose="02010600030101010101" pitchFamily="2" charset="-122"/>
+              </a:defRPr>
+            </a:lvl9pPr>
+          </a:lstStyle>
+          <a:p>
+            <a:pPr algn="just" defTabSz="914377">
+              <a:lnSpc>
+                <a:spcPts val="2000"/>
+              </a:lnSpc>
+              <a:buClr>
+                <a:srgbClr val="0070C0"/>
+              </a:buClr>
+              <a:defRPr/>
+            </a:pPr>
+            <a:r>
+              <a:rPr lang="en-US" altLang="zh-CN" sz="2800" b="1" dirty="0">
+                <a:solidFill>
+                  <a:schemeClr val="tx1">
+                    <a:lumMod val="75000"/>
+                    <a:lumOff val="25000"/>
+                  </a:schemeClr>
+                </a:solidFill>
+                <a:latin typeface="微软雅黑" panose="020B0503020204020204" pitchFamily="34" charset="-122"/>
+                <a:ea typeface="微软雅黑" panose="020B0503020204020204" pitchFamily="34" charset="-122"/>
+              </a:rPr>
+              <a:t>Vue </a:t>
+            </a:r>
+            <a:r>
+              <a:rPr lang="zh-CN" altLang="en-US" sz="2800" dirty="0">
+                <a:solidFill>
+                  <a:schemeClr val="tx1">
+                    <a:lumMod val="75000"/>
+                    <a:lumOff val="25000"/>
+                  </a:schemeClr>
+                </a:solidFill>
+                <a:latin typeface="微软雅黑" panose="020B0503020204020204" pitchFamily="34" charset="-122"/>
+                <a:ea typeface="微软雅黑" panose="020B0503020204020204" pitchFamily="34" charset="-122"/>
+              </a:rPr>
+              <a:t>与 </a:t>
+            </a:r>
+            <a:r>
+              <a:rPr lang="en-US" altLang="zh-CN" sz="2800" b="1" dirty="0" err="1">
+                <a:solidFill>
+                  <a:schemeClr val="tx1">
+                    <a:lumMod val="75000"/>
+                    <a:lumOff val="25000"/>
+                  </a:schemeClr>
+                </a:solidFill>
+                <a:latin typeface="微软雅黑" panose="020B0503020204020204" pitchFamily="34" charset="-122"/>
+                <a:ea typeface="微软雅黑" panose="020B0503020204020204" pitchFamily="34" charset="-122"/>
+              </a:rPr>
+              <a:t>Jquery</a:t>
+            </a:r>
+            <a:endParaRPr lang="en-US" altLang="zh-CN" sz="2800" b="1" dirty="0">
+              <a:solidFill>
+                <a:schemeClr val="tx1">
+                  <a:lumMod val="75000"/>
+                  <a:lumOff val="25000"/>
+                </a:schemeClr>
+              </a:solidFill>
+              <a:latin typeface="微软雅黑" panose="020B0503020204020204" pitchFamily="34" charset="-122"/>
+              <a:ea typeface="微软雅黑" panose="020B0503020204020204" pitchFamily="34" charset="-122"/>
+            </a:endParaRPr>
           </a:p>
         </p:txBody>
       </p:sp>
@@ -8431,6 +9145,79 @@
                                   </p:childTnLst>
                                 </p:cTn>
                               </p:par>
+                              <p:par>
+                                <p:cTn id="13" presetID="23" presetClass="entr" presetSubtype="16" fill="hold" grpId="0" nodeType="withEffect">
+                                  <p:stCondLst>
+                                    <p:cond delay="700"/>
+                                  </p:stCondLst>
+                                  <p:childTnLst>
+                                    <p:set>
+                                      <p:cBhvr>
+                                        <p:cTn id="14" dur="1" fill="hold">
+                                          <p:stCondLst>
+                                            <p:cond delay="0"/>
+                                          </p:stCondLst>
+                                        </p:cTn>
+                                        <p:tgtEl>
+                                          <p:spTgt spid="5"/>
+                                        </p:tgtEl>
+                                        <p:attrNameLst>
+                                          <p:attrName>style.visibility</p:attrName>
+                                        </p:attrNameLst>
+                                      </p:cBhvr>
+                                      <p:to>
+                                        <p:strVal val="visible"/>
+                                      </p:to>
+                                    </p:set>
+                                    <p:anim calcmode="lin" valueType="num">
+                                      <p:cBhvr>
+                                        <p:cTn id="15" dur="500" fill="hold"/>
+                                        <p:tgtEl>
+                                          <p:spTgt spid="5"/>
+                                        </p:tgtEl>
+                                        <p:attrNameLst>
+                                          <p:attrName>ppt_w</p:attrName>
+                                        </p:attrNameLst>
+                                      </p:cBhvr>
+                                      <p:tavLst>
+                                        <p:tav tm="0">
+                                          <p:val>
+                                            <p:fltVal val="0"/>
+                                          </p:val>
+                                        </p:tav>
+                                        <p:tav tm="100000">
+                                          <p:val>
+                                            <p:strVal val="#ppt_w"/>
+                                          </p:val>
+                                        </p:tav>
+                                      </p:tavLst>
+                                    </p:anim>
+                                    <p:anim calcmode="lin" valueType="num">
+                                      <p:cBhvr>
+                                        <p:cTn id="16" dur="500" fill="hold"/>
+                                        <p:tgtEl>
+                                          <p:spTgt spid="5"/>
+                                        </p:tgtEl>
+                                        <p:attrNameLst>
+                                          <p:attrName>ppt_h</p:attrName>
+                                        </p:attrNameLst>
+                                      </p:cBhvr>
+                                      <p:tavLst>
+                                        <p:tav tm="0">
+                                          <p:val>
+                                            <p:fltVal val="0"/>
+                                          </p:val>
+                                        </p:tav>
+                                        <p:tav tm="100000">
+                                          <p:val>
+                                            <p:strVal val="#ppt_h"/>
+                                          </p:val>
+                                        </p:tav>
+                                      </p:tavLst>
+                                    </p:anim>
+                                  </p:childTnLst>
+                                </p:cTn>
+                              </p:par>
                             </p:childTnLst>
                           </p:cTn>
                         </p:par>
@@ -8461,6 +9248,7 @@
     <p:bldLst>
       <p:bldP spid="335" grpId="0"/>
       <p:bldP spid="336" grpId="0"/>
+      <p:bldP spid="5" grpId="0"/>
     </p:bldLst>
   </p:timing>
 </p:sld>
@@ -8485,7 +9273,7 @@
       </p:grpSpPr>
       <p:sp>
         <p:nvSpPr>
-          <p:cNvPr id="11" name="矩形 10"/>
+          <p:cNvPr id="21" name="矩形 20"/>
           <p:cNvSpPr>
             <a:spLocks noChangeArrowheads="1"/>
           </p:cNvSpPr>
@@ -8493,8 +9281,8 @@
         </p:nvSpPr>
         <p:spPr bwMode="auto">
           <a:xfrm>
-            <a:off x="662259" y="1697083"/>
-            <a:ext cx="10515599" cy="348813"/>
+            <a:off x="761347" y="2301463"/>
+            <a:ext cx="10317422" cy="348813"/>
           </a:xfrm>
           <a:prstGeom prst="rect">
             <a:avLst/>
@@ -8539,7 +9327,7 @@
               <a:defRPr/>
             </a:pPr>
             <a:r>
-              <a:rPr lang="zh-CN" altLang="en-US" spc="67" dirty="0">
+              <a:rPr lang="en-US" altLang="zh-CN" dirty="0">
                 <a:solidFill>
                   <a:schemeClr val="tx1">
                     <a:lumMod val="75000"/>
@@ -8549,32 +9337,40 @@
                 <a:latin typeface="微软雅黑" panose="020B0503020204020204" pitchFamily="34" charset="-122"/>
                 <a:ea typeface="微软雅黑" panose="020B0503020204020204" pitchFamily="34" charset="-122"/>
               </a:rPr>
-              <a:t>官网地址： </a:t>
-            </a:r>
-            <a:r>
-              <a:rPr lang="en-US" dirty="0">
+              <a:t>2</a:t>
+            </a:r>
+            <a:r>
+              <a:rPr lang="zh-CN" altLang="en-US" dirty="0">
+                <a:solidFill>
+                  <a:schemeClr val="tx1">
+                    <a:lumMod val="75000"/>
+                    <a:lumOff val="25000"/>
+                  </a:schemeClr>
+                </a:solidFill>
                 <a:latin typeface="微软雅黑" panose="020B0503020204020204" pitchFamily="34" charset="-122"/>
                 <a:ea typeface="微软雅黑" panose="020B0503020204020204" pitchFamily="34" charset="-122"/>
-                <a:hlinkClick r:id="rId2"/>
-              </a:rPr>
-              <a:t>https://cn.vuejs.org/v2/guide/</a:t>
-            </a:r>
-            <a:endParaRPr lang="en-US" altLang="zh-CN" spc="67" dirty="0">
-              <a:solidFill>
-                <a:schemeClr val="tx1">
-                  <a:lumMod val="75000"/>
-                  <a:lumOff val="25000"/>
-                </a:schemeClr>
-              </a:solidFill>
-              <a:latin typeface="微软雅黑" panose="020B0503020204020204" pitchFamily="34" charset="-122"/>
-              <a:ea typeface="微软雅黑" panose="020B0503020204020204" pitchFamily="34" charset="-122"/>
-            </a:endParaRPr>
+              </a:rPr>
+              <a:t>、使用官方推荐的脚手架工具，</a:t>
+            </a:r>
+            <a:r>
+              <a:rPr lang="en-US" altLang="zh-CN" dirty="0">
+                <a:solidFill>
+                  <a:schemeClr val="tx1">
+                    <a:lumMod val="75000"/>
+                    <a:lumOff val="25000"/>
+                  </a:schemeClr>
+                </a:solidFill>
+                <a:latin typeface="微软雅黑" panose="020B0503020204020204" pitchFamily="34" charset="-122"/>
+                <a:ea typeface="微软雅黑" panose="020B0503020204020204" pitchFamily="34" charset="-122"/>
+              </a:rPr>
+              <a:t>Vue-cli</a:t>
+            </a:r>
           </a:p>
         </p:txBody>
       </p:sp>
       <p:sp>
         <p:nvSpPr>
-          <p:cNvPr id="21" name="矩形 20"/>
+          <p:cNvPr id="26" name="矩形 25"/>
           <p:cNvSpPr>
             <a:spLocks noChangeArrowheads="1"/>
           </p:cNvSpPr>
@@ -8582,8 +9378,8 @@
         </p:nvSpPr>
         <p:spPr bwMode="auto">
           <a:xfrm>
-            <a:off x="755391" y="3882522"/>
-            <a:ext cx="10317422" cy="348813"/>
+            <a:off x="761347" y="1882015"/>
+            <a:ext cx="10838737" cy="348813"/>
           </a:xfrm>
           <a:prstGeom prst="rect">
             <a:avLst/>
@@ -8628,7 +9424,7 @@
               <a:defRPr/>
             </a:pPr>
             <a:r>
-              <a:rPr lang="en-US" altLang="zh-CN" dirty="0">
+              <a:rPr lang="en-US" altLang="zh-CN" b="1" spc="67" dirty="0">
                 <a:solidFill>
                   <a:schemeClr val="tx1">
                     <a:lumMod val="75000"/>
@@ -8638,10 +9434,10 @@
                 <a:latin typeface="微软雅黑" panose="020B0503020204020204" pitchFamily="34" charset="-122"/>
                 <a:ea typeface="微软雅黑" panose="020B0503020204020204" pitchFamily="34" charset="-122"/>
               </a:rPr>
-              <a:t>2</a:t>
-            </a:r>
-            <a:r>
-              <a:rPr lang="zh-CN" altLang="en-US" dirty="0">
+              <a:t>1</a:t>
+            </a:r>
+            <a:r>
+              <a:rPr lang="zh-CN" altLang="en-US" b="1" spc="67" dirty="0">
                 <a:solidFill>
                   <a:schemeClr val="tx1">
                     <a:lumMod val="75000"/>
@@ -8651,10 +9447,10 @@
                 <a:latin typeface="微软雅黑" panose="020B0503020204020204" pitchFamily="34" charset="-122"/>
                 <a:ea typeface="微软雅黑" panose="020B0503020204020204" pitchFamily="34" charset="-122"/>
               </a:rPr>
-              <a:t>、使用官方推荐的脚手架工具，</a:t>
-            </a:r>
-            <a:r>
-              <a:rPr lang="en-US" altLang="zh-CN" dirty="0">
+              <a:t>、引入式标签，将</a:t>
+            </a:r>
+            <a:r>
+              <a:rPr lang="en-US" altLang="zh-CN" b="1" spc="67" dirty="0">
                 <a:solidFill>
                   <a:schemeClr val="tx1">
                     <a:lumMod val="75000"/>
@@ -8664,68 +9460,10 @@
                 <a:latin typeface="微软雅黑" panose="020B0503020204020204" pitchFamily="34" charset="-122"/>
                 <a:ea typeface="微软雅黑" panose="020B0503020204020204" pitchFamily="34" charset="-122"/>
               </a:rPr>
-              <a:t>Vue-cli</a:t>
-            </a:r>
-          </a:p>
-        </p:txBody>
-      </p:sp>
-      <p:sp>
-        <p:nvSpPr>
-          <p:cNvPr id="26" name="矩形 25"/>
-          <p:cNvSpPr>
-            <a:spLocks noChangeArrowheads="1"/>
-          </p:cNvSpPr>
-          <p:nvPr/>
-        </p:nvSpPr>
-        <p:spPr bwMode="auto">
-          <a:xfrm>
-            <a:off x="755391" y="2397692"/>
-            <a:ext cx="10838737" cy="605294"/>
-          </a:xfrm>
-          <a:prstGeom prst="rect">
-            <a:avLst/>
-          </a:prstGeom>
-          <a:noFill/>
-          <a:ln>
-            <a:noFill/>
-          </a:ln>
-          <a:extLst>
-            <a:ext uri="{909E8E84-426E-40DD-AFC4-6F175D3DCCD1}">
-              <a14:hiddenFill xmlns:a14="http://schemas.microsoft.com/office/drawing/2010/main">
-                <a:solidFill>
-                  <a:srgbClr val="FFFFFF"/>
-                </a:solidFill>
-              </a14:hiddenFill>
-            </a:ext>
-            <a:ext uri="{91240B29-F687-4F45-9708-019B960494DF}">
-              <a14:hiddenLine xmlns:a14="http://schemas.microsoft.com/office/drawing/2010/main" w="9525">
-                <a:solidFill>
-                  <a:srgbClr val="000000"/>
-                </a:solidFill>
-                <a:miter lim="800000"/>
-                <a:headEnd/>
-                <a:tailEnd/>
-              </a14:hiddenLine>
-            </a:ext>
-          </a:extLst>
-        </p:spPr>
-        <p:txBody>
-          <a:bodyPr wrap="square">
-            <a:spAutoFit/>
-          </a:bodyPr>
-          <a:lstStyle/>
-          <a:p>
-            <a:pPr algn="just" defTabSz="914377">
-              <a:lnSpc>
-                <a:spcPts val="2000"/>
-              </a:lnSpc>
-              <a:buClr>
-                <a:srgbClr val="0070C0"/>
-              </a:buClr>
-              <a:defRPr/>
-            </a:pPr>
-            <a:r>
-              <a:rPr lang="en-US" altLang="zh-CN" spc="67" dirty="0">
+              <a:t>Vue.js </a:t>
+            </a:r>
+            <a:r>
+              <a:rPr lang="zh-CN" altLang="en-US" b="1" spc="67" dirty="0">
                 <a:solidFill>
                   <a:schemeClr val="tx1">
                     <a:lumMod val="75000"/>
@@ -8735,95 +9473,9 @@
                 <a:latin typeface="微软雅黑" panose="020B0503020204020204" pitchFamily="34" charset="-122"/>
                 <a:ea typeface="微软雅黑" panose="020B0503020204020204" pitchFamily="34" charset="-122"/>
               </a:rPr>
-              <a:t>1</a:t>
-            </a:r>
-            <a:r>
-              <a:rPr lang="zh-CN" altLang="en-US" spc="67" dirty="0">
-                <a:solidFill>
-                  <a:schemeClr val="tx1">
-                    <a:lumMod val="75000"/>
-                    <a:lumOff val="25000"/>
-                  </a:schemeClr>
-                </a:solidFill>
-                <a:latin typeface="微软雅黑" panose="020B0503020204020204" pitchFamily="34" charset="-122"/>
-                <a:ea typeface="微软雅黑" panose="020B0503020204020204" pitchFamily="34" charset="-122"/>
-              </a:rPr>
-              <a:t>、引入式标签，将</a:t>
-            </a:r>
-            <a:r>
-              <a:rPr lang="en-US" altLang="zh-CN" spc="67" dirty="0">
-                <a:solidFill>
-                  <a:schemeClr val="tx1">
-                    <a:lumMod val="75000"/>
-                    <a:lumOff val="25000"/>
-                  </a:schemeClr>
-                </a:solidFill>
-                <a:latin typeface="微软雅黑" panose="020B0503020204020204" pitchFamily="34" charset="-122"/>
-                <a:ea typeface="微软雅黑" panose="020B0503020204020204" pitchFamily="34" charset="-122"/>
-              </a:rPr>
-              <a:t>Vue.js </a:t>
-            </a:r>
-            <a:r>
-              <a:rPr lang="zh-CN" altLang="en-US" spc="67" dirty="0">
-                <a:solidFill>
-                  <a:schemeClr val="tx1">
-                    <a:lumMod val="75000"/>
-                    <a:lumOff val="25000"/>
-                  </a:schemeClr>
-                </a:solidFill>
-                <a:latin typeface="微软雅黑" panose="020B0503020204020204" pitchFamily="34" charset="-122"/>
-                <a:ea typeface="微软雅黑" panose="020B0503020204020204" pitchFamily="34" charset="-122"/>
-              </a:rPr>
               <a:t>引入到页面下</a:t>
             </a:r>
-            <a:endParaRPr lang="en-US" altLang="zh-CN" spc="67" dirty="0">
-              <a:solidFill>
-                <a:schemeClr val="tx1">
-                  <a:lumMod val="75000"/>
-                  <a:lumOff val="25000"/>
-                </a:schemeClr>
-              </a:solidFill>
-              <a:latin typeface="微软雅黑" panose="020B0503020204020204" pitchFamily="34" charset="-122"/>
-              <a:ea typeface="微软雅黑" panose="020B0503020204020204" pitchFamily="34" charset="-122"/>
-            </a:endParaRPr>
-          </a:p>
-          <a:p>
-            <a:pPr algn="just" defTabSz="914377">
-              <a:lnSpc>
-                <a:spcPts val="2000"/>
-              </a:lnSpc>
-              <a:buClr>
-                <a:srgbClr val="0070C0"/>
-              </a:buClr>
-              <a:defRPr/>
-            </a:pPr>
-            <a:r>
-              <a:rPr lang="en-US" altLang="zh-CN" spc="67" dirty="0">
-                <a:solidFill>
-                  <a:schemeClr val="tx1">
-                    <a:lumMod val="75000"/>
-                    <a:lumOff val="25000"/>
-                  </a:schemeClr>
-                </a:solidFill>
-                <a:latin typeface="微软雅黑" panose="020B0503020204020204" pitchFamily="34" charset="-122"/>
-                <a:ea typeface="微软雅黑" panose="020B0503020204020204" pitchFamily="34" charset="-122"/>
-              </a:rPr>
-              <a:t>	</a:t>
-            </a:r>
-            <a:r>
-              <a:rPr lang="fr-FR" altLang="zh-CN" spc="67" dirty="0">
-                <a:solidFill>
-                  <a:schemeClr val="tx1">
-                    <a:lumMod val="75000"/>
-                    <a:lumOff val="25000"/>
-                  </a:schemeClr>
-                </a:solidFill>
-                <a:latin typeface="微软雅黑" panose="020B0503020204020204" pitchFamily="34" charset="-122"/>
-                <a:ea typeface="微软雅黑" panose="020B0503020204020204" pitchFamily="34" charset="-122"/>
-              </a:rPr>
-              <a:t>&lt;script src="./static/js/vue.2.6.js"&gt;&lt;/script&gt;</a:t>
-            </a:r>
-            <a:endParaRPr lang="en-US" altLang="zh-CN" dirty="0">
+            <a:endParaRPr lang="en-US" altLang="zh-CN" b="1" spc="67" dirty="0">
               <a:solidFill>
                 <a:schemeClr val="tx1">
                   <a:lumMod val="75000"/>
@@ -8855,11 +9507,542 @@
           <a:p>
             <a:r>
               <a:rPr lang="en-US" altLang="zh-CN" dirty="0"/>
-              <a:t>Vue</a:t>
-            </a:r>
-            <a:r>
-              <a:rPr lang="zh-CN" altLang="en-US" dirty="0"/>
-              <a:t> 开发方式</a:t>
+              <a:t>Vue.js	</a:t>
+            </a:r>
+            <a:r>
+              <a:rPr lang="en-US" dirty="0">
+                <a:latin typeface="微软雅黑" panose="020B0503020204020204" pitchFamily="34" charset="-122"/>
+                <a:hlinkClick r:id="rId2"/>
+              </a:rPr>
+              <a:t> </a:t>
+            </a:r>
+            <a:r>
+              <a:rPr lang="en-US" sz="1800" dirty="0">
+                <a:latin typeface="微软雅黑" panose="020B0503020204020204" pitchFamily="34" charset="-122"/>
+                <a:hlinkClick r:id="rId2"/>
+              </a:rPr>
+              <a:t>https://cn.vuejs.org/v2/guide/</a:t>
+            </a:r>
+            <a:endParaRPr lang="zh-CN" altLang="en-US" sz="1800" dirty="0"/>
+          </a:p>
+        </p:txBody>
+      </p:sp>
+      <p:sp>
+        <p:nvSpPr>
+          <p:cNvPr id="6" name="矩形 5">
+            <a:extLst>
+              <a:ext uri="{FF2B5EF4-FFF2-40B4-BE49-F238E27FC236}">
+                <a16:creationId xmlns:a16="http://schemas.microsoft.com/office/drawing/2014/main" id="{983F59BD-5692-4E97-AE14-EDFF72F00E70}"/>
+              </a:ext>
+            </a:extLst>
+          </p:cNvPr>
+          <p:cNvSpPr>
+            <a:spLocks noChangeArrowheads="1"/>
+          </p:cNvSpPr>
+          <p:nvPr/>
+        </p:nvSpPr>
+        <p:spPr bwMode="auto">
+          <a:xfrm>
+            <a:off x="761347" y="3429000"/>
+            <a:ext cx="10317422" cy="370166"/>
+          </a:xfrm>
+          <a:prstGeom prst="rect">
+            <a:avLst/>
+          </a:prstGeom>
+          <a:noFill/>
+          <a:ln>
+            <a:noFill/>
+          </a:ln>
+          <a:extLst>
+            <a:ext uri="{909E8E84-426E-40DD-AFC4-6F175D3DCCD1}">
+              <a14:hiddenFill xmlns:a14="http://schemas.microsoft.com/office/drawing/2010/main">
+                <a:solidFill>
+                  <a:srgbClr val="FFFFFF"/>
+                </a:solidFill>
+              </a14:hiddenFill>
+            </a:ext>
+            <a:ext uri="{91240B29-F687-4F45-9708-019B960494DF}">
+              <a14:hiddenLine xmlns:a14="http://schemas.microsoft.com/office/drawing/2010/main" w="9525">
+                <a:solidFill>
+                  <a:srgbClr val="000000"/>
+                </a:solidFill>
+                <a:miter lim="800000"/>
+                <a:headEnd/>
+                <a:tailEnd/>
+              </a14:hiddenLine>
+            </a:ext>
+          </a:extLst>
+        </p:spPr>
+        <p:txBody>
+          <a:bodyPr wrap="square">
+            <a:spAutoFit/>
+          </a:bodyPr>
+          <a:lstStyle/>
+          <a:p>
+            <a:pPr algn="just" defTabSz="914377">
+              <a:lnSpc>
+                <a:spcPts val="2000"/>
+              </a:lnSpc>
+              <a:buClr>
+                <a:srgbClr val="0070C0"/>
+              </a:buClr>
+              <a:defRPr/>
+            </a:pPr>
+            <a:r>
+              <a:rPr lang="zh-CN" altLang="en-US" sz="2800" b="1" dirty="0">
+                <a:solidFill>
+                  <a:schemeClr val="tx1">
+                    <a:lumMod val="75000"/>
+                    <a:lumOff val="25000"/>
+                  </a:schemeClr>
+                </a:solidFill>
+                <a:latin typeface="微软雅黑" panose="020B0503020204020204" pitchFamily="34" charset="-122"/>
+                <a:ea typeface="微软雅黑" panose="020B0503020204020204" pitchFamily="34" charset="-122"/>
+              </a:rPr>
+              <a:t>基本知识、概念</a:t>
+            </a:r>
+            <a:endParaRPr lang="en-US" altLang="zh-CN" sz="2800" b="1" dirty="0">
+              <a:solidFill>
+                <a:schemeClr val="tx1">
+                  <a:lumMod val="75000"/>
+                  <a:lumOff val="25000"/>
+                </a:schemeClr>
+              </a:solidFill>
+              <a:latin typeface="微软雅黑" panose="020B0503020204020204" pitchFamily="34" charset="-122"/>
+              <a:ea typeface="微软雅黑" panose="020B0503020204020204" pitchFamily="34" charset="-122"/>
+            </a:endParaRPr>
+          </a:p>
+        </p:txBody>
+      </p:sp>
+      <p:sp>
+        <p:nvSpPr>
+          <p:cNvPr id="7" name="矩形 6">
+            <a:extLst>
+              <a:ext uri="{FF2B5EF4-FFF2-40B4-BE49-F238E27FC236}">
+                <a16:creationId xmlns:a16="http://schemas.microsoft.com/office/drawing/2014/main" id="{00B457C3-326A-4F29-8E9A-353CDD4E3BE7}"/>
+              </a:ext>
+            </a:extLst>
+          </p:cNvPr>
+          <p:cNvSpPr>
+            <a:spLocks noChangeArrowheads="1"/>
+          </p:cNvSpPr>
+          <p:nvPr/>
+        </p:nvSpPr>
+        <p:spPr bwMode="auto">
+          <a:xfrm>
+            <a:off x="761347" y="1284764"/>
+            <a:ext cx="10317422" cy="370166"/>
+          </a:xfrm>
+          <a:prstGeom prst="rect">
+            <a:avLst/>
+          </a:prstGeom>
+          <a:noFill/>
+          <a:ln>
+            <a:noFill/>
+          </a:ln>
+          <a:extLst>
+            <a:ext uri="{909E8E84-426E-40DD-AFC4-6F175D3DCCD1}">
+              <a14:hiddenFill xmlns:a14="http://schemas.microsoft.com/office/drawing/2010/main">
+                <a:solidFill>
+                  <a:srgbClr val="FFFFFF"/>
+                </a:solidFill>
+              </a14:hiddenFill>
+            </a:ext>
+            <a:ext uri="{91240B29-F687-4F45-9708-019B960494DF}">
+              <a14:hiddenLine xmlns:a14="http://schemas.microsoft.com/office/drawing/2010/main" w="9525">
+                <a:solidFill>
+                  <a:srgbClr val="000000"/>
+                </a:solidFill>
+                <a:miter lim="800000"/>
+                <a:headEnd/>
+                <a:tailEnd/>
+              </a14:hiddenLine>
+            </a:ext>
+          </a:extLst>
+        </p:spPr>
+        <p:txBody>
+          <a:bodyPr wrap="square">
+            <a:spAutoFit/>
+          </a:bodyPr>
+          <a:lstStyle/>
+          <a:p>
+            <a:pPr algn="just" defTabSz="914377">
+              <a:lnSpc>
+                <a:spcPts val="2000"/>
+              </a:lnSpc>
+              <a:buClr>
+                <a:srgbClr val="0070C0"/>
+              </a:buClr>
+              <a:defRPr/>
+            </a:pPr>
+            <a:r>
+              <a:rPr lang="zh-CN" altLang="en-US" sz="2800" b="1" dirty="0">
+                <a:solidFill>
+                  <a:schemeClr val="tx1">
+                    <a:lumMod val="75000"/>
+                    <a:lumOff val="25000"/>
+                  </a:schemeClr>
+                </a:solidFill>
+                <a:latin typeface="微软雅黑" panose="020B0503020204020204" pitchFamily="34" charset="-122"/>
+                <a:ea typeface="微软雅黑" panose="020B0503020204020204" pitchFamily="34" charset="-122"/>
+              </a:rPr>
+              <a:t>开发方式</a:t>
+            </a:r>
+            <a:endParaRPr lang="en-US" altLang="zh-CN" sz="2800" b="1" dirty="0">
+              <a:solidFill>
+                <a:schemeClr val="tx1">
+                  <a:lumMod val="75000"/>
+                  <a:lumOff val="25000"/>
+                </a:schemeClr>
+              </a:solidFill>
+              <a:latin typeface="微软雅黑" panose="020B0503020204020204" pitchFamily="34" charset="-122"/>
+              <a:ea typeface="微软雅黑" panose="020B0503020204020204" pitchFamily="34" charset="-122"/>
+            </a:endParaRPr>
+          </a:p>
+        </p:txBody>
+      </p:sp>
+      <p:sp>
+        <p:nvSpPr>
+          <p:cNvPr id="8" name="矩形 7">
+            <a:extLst>
+              <a:ext uri="{FF2B5EF4-FFF2-40B4-BE49-F238E27FC236}">
+                <a16:creationId xmlns:a16="http://schemas.microsoft.com/office/drawing/2014/main" id="{903770C0-41BB-4E82-8D30-667DE1DC8FC9}"/>
+              </a:ext>
+            </a:extLst>
+          </p:cNvPr>
+          <p:cNvSpPr>
+            <a:spLocks noChangeArrowheads="1"/>
+          </p:cNvSpPr>
+          <p:nvPr/>
+        </p:nvSpPr>
+        <p:spPr bwMode="auto">
+          <a:xfrm>
+            <a:off x="761347" y="4147003"/>
+            <a:ext cx="10317422" cy="1374735"/>
+          </a:xfrm>
+          <a:prstGeom prst="rect">
+            <a:avLst/>
+          </a:prstGeom>
+          <a:noFill/>
+          <a:ln>
+            <a:noFill/>
+          </a:ln>
+          <a:extLst>
+            <a:ext uri="{909E8E84-426E-40DD-AFC4-6F175D3DCCD1}">
+              <a14:hiddenFill xmlns:a14="http://schemas.microsoft.com/office/drawing/2010/main">
+                <a:solidFill>
+                  <a:srgbClr val="FFFFFF"/>
+                </a:solidFill>
+              </a14:hiddenFill>
+            </a:ext>
+            <a:ext uri="{91240B29-F687-4F45-9708-019B960494DF}">
+              <a14:hiddenLine xmlns:a14="http://schemas.microsoft.com/office/drawing/2010/main" w="9525">
+                <a:solidFill>
+                  <a:srgbClr val="000000"/>
+                </a:solidFill>
+                <a:miter lim="800000"/>
+                <a:headEnd/>
+                <a:tailEnd/>
+              </a14:hiddenLine>
+            </a:ext>
+          </a:extLst>
+        </p:spPr>
+        <p:txBody>
+          <a:bodyPr wrap="square">
+            <a:spAutoFit/>
+          </a:bodyPr>
+          <a:lstStyle/>
+          <a:p>
+            <a:pPr algn="just" defTabSz="914377">
+              <a:lnSpc>
+                <a:spcPts val="2000"/>
+              </a:lnSpc>
+              <a:buClr>
+                <a:srgbClr val="0070C0"/>
+              </a:buClr>
+              <a:defRPr/>
+            </a:pPr>
+            <a:r>
+              <a:rPr lang="en-US" altLang="zh-CN" sz="2000" b="1" dirty="0">
+                <a:solidFill>
+                  <a:schemeClr val="tx1">
+                    <a:lumMod val="75000"/>
+                    <a:lumOff val="25000"/>
+                  </a:schemeClr>
+                </a:solidFill>
+                <a:latin typeface="微软雅黑" panose="020B0503020204020204" pitchFamily="34" charset="-122"/>
+                <a:ea typeface="微软雅黑" panose="020B0503020204020204" pitchFamily="34" charset="-122"/>
+              </a:rPr>
+              <a:t>1</a:t>
+            </a:r>
+            <a:r>
+              <a:rPr lang="zh-CN" altLang="en-US" sz="2000" b="1" dirty="0">
+                <a:solidFill>
+                  <a:schemeClr val="tx1">
+                    <a:lumMod val="75000"/>
+                    <a:lumOff val="25000"/>
+                  </a:schemeClr>
+                </a:solidFill>
+                <a:latin typeface="微软雅黑" panose="020B0503020204020204" pitchFamily="34" charset="-122"/>
+                <a:ea typeface="微软雅黑" panose="020B0503020204020204" pitchFamily="34" charset="-122"/>
+              </a:rPr>
+              <a:t>、指定： </a:t>
+            </a:r>
+            <a:r>
+              <a:rPr lang="en-US" altLang="zh-CN" sz="2000" b="1" dirty="0">
+                <a:solidFill>
+                  <a:schemeClr val="tx1">
+                    <a:lumMod val="75000"/>
+                    <a:lumOff val="25000"/>
+                  </a:schemeClr>
+                </a:solidFill>
+                <a:latin typeface="微软雅黑" panose="020B0503020204020204" pitchFamily="34" charset="-122"/>
+                <a:ea typeface="微软雅黑" panose="020B0503020204020204" pitchFamily="34" charset="-122"/>
+              </a:rPr>
+              <a:t>v-bind</a:t>
+            </a:r>
+            <a:r>
+              <a:rPr lang="zh-CN" altLang="en-US" sz="2000" b="1" dirty="0">
+                <a:solidFill>
+                  <a:schemeClr val="tx1">
+                    <a:lumMod val="75000"/>
+                    <a:lumOff val="25000"/>
+                  </a:schemeClr>
+                </a:solidFill>
+                <a:latin typeface="微软雅黑" panose="020B0503020204020204" pitchFamily="34" charset="-122"/>
+                <a:ea typeface="微软雅黑" panose="020B0503020204020204" pitchFamily="34" charset="-122"/>
+              </a:rPr>
+              <a:t>、</a:t>
+            </a:r>
+            <a:r>
+              <a:rPr lang="en-US" altLang="zh-CN" sz="2000" b="1" dirty="0">
+                <a:solidFill>
+                  <a:schemeClr val="tx1">
+                    <a:lumMod val="75000"/>
+                    <a:lumOff val="25000"/>
+                  </a:schemeClr>
+                </a:solidFill>
+                <a:latin typeface="微软雅黑" panose="020B0503020204020204" pitchFamily="34" charset="-122"/>
+                <a:ea typeface="微软雅黑" panose="020B0503020204020204" pitchFamily="34" charset="-122"/>
+              </a:rPr>
+              <a:t>v-if</a:t>
+            </a:r>
+            <a:r>
+              <a:rPr lang="zh-CN" altLang="en-US" sz="2000" b="1" dirty="0">
+                <a:solidFill>
+                  <a:schemeClr val="tx1">
+                    <a:lumMod val="75000"/>
+                    <a:lumOff val="25000"/>
+                  </a:schemeClr>
+                </a:solidFill>
+                <a:latin typeface="微软雅黑" panose="020B0503020204020204" pitchFamily="34" charset="-122"/>
+                <a:ea typeface="微软雅黑" panose="020B0503020204020204" pitchFamily="34" charset="-122"/>
+              </a:rPr>
+              <a:t>、</a:t>
+            </a:r>
+            <a:r>
+              <a:rPr lang="en-US" altLang="zh-CN" sz="2000" b="1" dirty="0">
+                <a:solidFill>
+                  <a:schemeClr val="tx1">
+                    <a:lumMod val="75000"/>
+                    <a:lumOff val="25000"/>
+                  </a:schemeClr>
+                </a:solidFill>
+                <a:latin typeface="微软雅黑" panose="020B0503020204020204" pitchFamily="34" charset="-122"/>
+                <a:ea typeface="微软雅黑" panose="020B0503020204020204" pitchFamily="34" charset="-122"/>
+              </a:rPr>
+              <a:t>v-show</a:t>
+            </a:r>
+            <a:r>
+              <a:rPr lang="zh-CN" altLang="en-US" sz="2000" b="1" dirty="0">
+                <a:solidFill>
+                  <a:schemeClr val="tx1">
+                    <a:lumMod val="75000"/>
+                    <a:lumOff val="25000"/>
+                  </a:schemeClr>
+                </a:solidFill>
+                <a:latin typeface="微软雅黑" panose="020B0503020204020204" pitchFamily="34" charset="-122"/>
+                <a:ea typeface="微软雅黑" panose="020B0503020204020204" pitchFamily="34" charset="-122"/>
+              </a:rPr>
+              <a:t>、</a:t>
+            </a:r>
+            <a:r>
+              <a:rPr lang="en-US" altLang="zh-CN" sz="2000" b="1" dirty="0">
+                <a:solidFill>
+                  <a:schemeClr val="tx1">
+                    <a:lumMod val="75000"/>
+                    <a:lumOff val="25000"/>
+                  </a:schemeClr>
+                </a:solidFill>
+                <a:latin typeface="微软雅黑" panose="020B0503020204020204" pitchFamily="34" charset="-122"/>
+                <a:ea typeface="微软雅黑" panose="020B0503020204020204" pitchFamily="34" charset="-122"/>
+              </a:rPr>
+              <a:t>v-for</a:t>
+            </a:r>
+            <a:r>
+              <a:rPr lang="zh-CN" altLang="en-US" sz="2000" b="1" dirty="0">
+                <a:solidFill>
+                  <a:schemeClr val="tx1">
+                    <a:lumMod val="75000"/>
+                    <a:lumOff val="25000"/>
+                  </a:schemeClr>
+                </a:solidFill>
+                <a:latin typeface="微软雅黑" panose="020B0503020204020204" pitchFamily="34" charset="-122"/>
+                <a:ea typeface="微软雅黑" panose="020B0503020204020204" pitchFamily="34" charset="-122"/>
+              </a:rPr>
+              <a:t>、</a:t>
+            </a:r>
+            <a:r>
+              <a:rPr lang="en-US" altLang="zh-CN" sz="2000" b="1" dirty="0">
+                <a:solidFill>
+                  <a:schemeClr val="tx1">
+                    <a:lumMod val="75000"/>
+                    <a:lumOff val="25000"/>
+                  </a:schemeClr>
+                </a:solidFill>
+                <a:latin typeface="微软雅黑" panose="020B0503020204020204" pitchFamily="34" charset="-122"/>
+                <a:ea typeface="微软雅黑" panose="020B0503020204020204" pitchFamily="34" charset="-122"/>
+              </a:rPr>
+              <a:t>v-on</a:t>
+            </a:r>
+          </a:p>
+          <a:p>
+            <a:pPr algn="just" defTabSz="914377">
+              <a:lnSpc>
+                <a:spcPts val="2000"/>
+              </a:lnSpc>
+              <a:buClr>
+                <a:srgbClr val="0070C0"/>
+              </a:buClr>
+              <a:defRPr/>
+            </a:pPr>
+            <a:endParaRPr lang="en-US" altLang="zh-CN" sz="2000" b="1" dirty="0">
+              <a:solidFill>
+                <a:schemeClr val="tx1">
+                  <a:lumMod val="75000"/>
+                  <a:lumOff val="25000"/>
+                </a:schemeClr>
+              </a:solidFill>
+              <a:latin typeface="微软雅黑" panose="020B0503020204020204" pitchFamily="34" charset="-122"/>
+              <a:ea typeface="微软雅黑" panose="020B0503020204020204" pitchFamily="34" charset="-122"/>
+            </a:endParaRPr>
+          </a:p>
+          <a:p>
+            <a:pPr algn="just" defTabSz="914377">
+              <a:lnSpc>
+                <a:spcPts val="2000"/>
+              </a:lnSpc>
+              <a:buClr>
+                <a:srgbClr val="0070C0"/>
+              </a:buClr>
+              <a:defRPr/>
+            </a:pPr>
+            <a:r>
+              <a:rPr lang="en-US" altLang="zh-CN" sz="2000" b="1" dirty="0">
+                <a:solidFill>
+                  <a:schemeClr val="tx1">
+                    <a:lumMod val="75000"/>
+                    <a:lumOff val="25000"/>
+                  </a:schemeClr>
+                </a:solidFill>
+                <a:latin typeface="微软雅黑" panose="020B0503020204020204" pitchFamily="34" charset="-122"/>
+                <a:ea typeface="微软雅黑" panose="020B0503020204020204" pitchFamily="34" charset="-122"/>
+              </a:rPr>
+              <a:t>2</a:t>
+            </a:r>
+            <a:r>
+              <a:rPr lang="zh-CN" altLang="en-US" sz="2000" b="1" dirty="0">
+                <a:solidFill>
+                  <a:schemeClr val="tx1">
+                    <a:lumMod val="75000"/>
+                    <a:lumOff val="25000"/>
+                  </a:schemeClr>
+                </a:solidFill>
+                <a:latin typeface="微软雅黑" panose="020B0503020204020204" pitchFamily="34" charset="-122"/>
+                <a:ea typeface="微软雅黑" panose="020B0503020204020204" pitchFamily="34" charset="-122"/>
+              </a:rPr>
+              <a:t>、概念：组件、模块、数据绑定、方法绑定</a:t>
+            </a:r>
+            <a:endParaRPr lang="en-US" altLang="zh-CN" sz="2000" b="1" dirty="0">
+              <a:solidFill>
+                <a:schemeClr val="tx1">
+                  <a:lumMod val="75000"/>
+                  <a:lumOff val="25000"/>
+                </a:schemeClr>
+              </a:solidFill>
+              <a:latin typeface="微软雅黑" panose="020B0503020204020204" pitchFamily="34" charset="-122"/>
+              <a:ea typeface="微软雅黑" panose="020B0503020204020204" pitchFamily="34" charset="-122"/>
+            </a:endParaRPr>
+          </a:p>
+          <a:p>
+            <a:pPr algn="just" defTabSz="914377">
+              <a:lnSpc>
+                <a:spcPts val="2000"/>
+              </a:lnSpc>
+              <a:buClr>
+                <a:srgbClr val="0070C0"/>
+              </a:buClr>
+              <a:defRPr/>
+            </a:pPr>
+            <a:endParaRPr lang="en-US" altLang="zh-CN" sz="2000" b="1" dirty="0">
+              <a:solidFill>
+                <a:schemeClr val="tx1">
+                  <a:lumMod val="75000"/>
+                  <a:lumOff val="25000"/>
+                </a:schemeClr>
+              </a:solidFill>
+              <a:latin typeface="微软雅黑" panose="020B0503020204020204" pitchFamily="34" charset="-122"/>
+              <a:ea typeface="微软雅黑" panose="020B0503020204020204" pitchFamily="34" charset="-122"/>
+            </a:endParaRPr>
+          </a:p>
+          <a:p>
+            <a:pPr algn="just" defTabSz="914377">
+              <a:lnSpc>
+                <a:spcPts val="2000"/>
+              </a:lnSpc>
+              <a:buClr>
+                <a:srgbClr val="0070C0"/>
+              </a:buClr>
+              <a:defRPr/>
+            </a:pPr>
+            <a:r>
+              <a:rPr lang="en-US" altLang="zh-CN" sz="2000" b="1" dirty="0">
+                <a:solidFill>
+                  <a:schemeClr val="tx1">
+                    <a:lumMod val="75000"/>
+                    <a:lumOff val="25000"/>
+                  </a:schemeClr>
+                </a:solidFill>
+                <a:latin typeface="微软雅黑" panose="020B0503020204020204" pitchFamily="34" charset="-122"/>
+                <a:ea typeface="微软雅黑" panose="020B0503020204020204" pitchFamily="34" charset="-122"/>
+              </a:rPr>
+              <a:t>3</a:t>
+            </a:r>
+            <a:r>
+              <a:rPr lang="zh-CN" altLang="en-US" sz="2000" b="1" dirty="0">
+                <a:solidFill>
+                  <a:schemeClr val="tx1">
+                    <a:lumMod val="75000"/>
+                    <a:lumOff val="25000"/>
+                  </a:schemeClr>
+                </a:solidFill>
+                <a:latin typeface="微软雅黑" panose="020B0503020204020204" pitchFamily="34" charset="-122"/>
+                <a:ea typeface="微软雅黑" panose="020B0503020204020204" pitchFamily="34" charset="-122"/>
+              </a:rPr>
+              <a:t>、双向数据绑定：</a:t>
+            </a:r>
+            <a:r>
+              <a:rPr lang="en-US" altLang="zh-CN" sz="2000" b="1" dirty="0">
+                <a:solidFill>
+                  <a:schemeClr val="tx1">
+                    <a:lumMod val="75000"/>
+                    <a:lumOff val="25000"/>
+                  </a:schemeClr>
+                </a:solidFill>
+                <a:latin typeface="微软雅黑" panose="020B0503020204020204" pitchFamily="34" charset="-122"/>
+                <a:ea typeface="微软雅黑" panose="020B0503020204020204" pitchFamily="34" charset="-122"/>
+              </a:rPr>
+              <a:t>v-model</a:t>
             </a:r>
           </a:p>
         </p:txBody>
@@ -8923,7 +10106,7 @@
                                           </p:stCondLst>
                                         </p:cTn>
                                         <p:tgtEl>
-                                          <p:spTgt spid="11"/>
+                                          <p:spTgt spid="26"/>
                                         </p:tgtEl>
                                         <p:attrNameLst>
                                           <p:attrName>style.visibility</p:attrName>
@@ -8937,7 +10120,7 @@
                                       <p:cBhvr additive="base">
                                         <p:cTn id="7" dur="500"/>
                                         <p:tgtEl>
-                                          <p:spTgt spid="11"/>
+                                          <p:spTgt spid="26"/>
                                         </p:tgtEl>
                                         <p:attrNameLst>
                                           <p:attrName>ppt_x</p:attrName>
@@ -8960,7 +10143,7 @@
                                       <p:cBhvr>
                                         <p:cTn id="8" dur="500"/>
                                         <p:tgtEl>
-                                          <p:spTgt spid="11"/>
+                                          <p:spTgt spid="26"/>
                                         </p:tgtEl>
                                       </p:cBhvr>
                                     </p:animEffect>
@@ -8970,7 +10153,7 @@
                               <p:par>
                                 <p:cTn id="9" presetID="12" presetClass="entr" presetSubtype="8" fill="hold" grpId="0" nodeType="withEffect">
                                   <p:stCondLst>
-                                    <p:cond delay="700"/>
+                                    <p:cond delay="1100"/>
                                   </p:stCondLst>
                                   <p:childTnLst>
                                     <p:set>
@@ -8981,7 +10164,7 @@
                                           </p:stCondLst>
                                         </p:cTn>
                                         <p:tgtEl>
-                                          <p:spTgt spid="26"/>
+                                          <p:spTgt spid="21"/>
                                         </p:tgtEl>
                                         <p:attrNameLst>
                                           <p:attrName>style.visibility</p:attrName>
@@ -8995,7 +10178,7 @@
                                       <p:cBhvr additive="base">
                                         <p:cTn id="11" dur="500"/>
                                         <p:tgtEl>
-                                          <p:spTgt spid="26"/>
+                                          <p:spTgt spid="21"/>
                                         </p:tgtEl>
                                         <p:attrNameLst>
                                           <p:attrName>ppt_x</p:attrName>
@@ -9018,7 +10201,7 @@
                                       <p:cBhvr>
                                         <p:cTn id="12" dur="500"/>
                                         <p:tgtEl>
-                                          <p:spTgt spid="26"/>
+                                          <p:spTgt spid="21"/>
                                         </p:tgtEl>
                                       </p:cBhvr>
                                     </p:animEffect>
@@ -9039,7 +10222,7 @@
                                           </p:stCondLst>
                                         </p:cTn>
                                         <p:tgtEl>
-                                          <p:spTgt spid="21"/>
+                                          <p:spTgt spid="6"/>
                                         </p:tgtEl>
                                         <p:attrNameLst>
                                           <p:attrName>style.visibility</p:attrName>
@@ -9053,7 +10236,7 @@
                                       <p:cBhvr additive="base">
                                         <p:cTn id="15" dur="500"/>
                                         <p:tgtEl>
-                                          <p:spTgt spid="21"/>
+                                          <p:spTgt spid="6"/>
                                         </p:tgtEl>
                                         <p:attrNameLst>
                                           <p:attrName>ppt_x</p:attrName>
@@ -9076,7 +10259,123 @@
                                       <p:cBhvr>
                                         <p:cTn id="16" dur="500"/>
                                         <p:tgtEl>
-                                          <p:spTgt spid="21"/>
+                                          <p:spTgt spid="6"/>
+                                        </p:tgtEl>
+                                      </p:cBhvr>
+                                    </p:animEffect>
+                                  </p:childTnLst>
+                                </p:cTn>
+                              </p:par>
+                              <p:par>
+                                <p:cTn id="17" presetID="12" presetClass="entr" presetSubtype="8" fill="hold" grpId="0" nodeType="withEffect">
+                                  <p:stCondLst>
+                                    <p:cond delay="1100"/>
+                                  </p:stCondLst>
+                                  <p:childTnLst>
+                                    <p:set>
+                                      <p:cBhvr>
+                                        <p:cTn id="18" dur="1" fill="hold">
+                                          <p:stCondLst>
+                                            <p:cond delay="0"/>
+                                          </p:stCondLst>
+                                        </p:cTn>
+                                        <p:tgtEl>
+                                          <p:spTgt spid="7"/>
+                                        </p:tgtEl>
+                                        <p:attrNameLst>
+                                          <p:attrName>style.visibility</p:attrName>
+                                        </p:attrNameLst>
+                                      </p:cBhvr>
+                                      <p:to>
+                                        <p:strVal val="visible"/>
+                                      </p:to>
+                                    </p:set>
+                                    <p:anim calcmode="lin" valueType="num">
+                                      <p:cBhvr additive="base">
+                                        <p:cTn id="19" dur="500"/>
+                                        <p:tgtEl>
+                                          <p:spTgt spid="7"/>
+                                        </p:tgtEl>
+                                        <p:attrNameLst>
+                                          <p:attrName>ppt_x</p:attrName>
+                                        </p:attrNameLst>
+                                      </p:cBhvr>
+                                      <p:tavLst>
+                                        <p:tav tm="0">
+                                          <p:val>
+                                            <p:strVal val="#ppt_x-#ppt_w*1.125000"/>
+                                          </p:val>
+                                        </p:tav>
+                                        <p:tav tm="100000">
+                                          <p:val>
+                                            <p:strVal val="#ppt_x"/>
+                                          </p:val>
+                                        </p:tav>
+                                      </p:tavLst>
+                                    </p:anim>
+                                    <p:animEffect transition="in" filter="wipe(right)">
+                                      <p:cBhvr>
+                                        <p:cTn id="20" dur="500"/>
+                                        <p:tgtEl>
+                                          <p:spTgt spid="7"/>
+                                        </p:tgtEl>
+                                      </p:cBhvr>
+                                    </p:animEffect>
+                                  </p:childTnLst>
+                                </p:cTn>
+                              </p:par>
+                              <p:par>
+                                <p:cTn id="21" presetID="12" presetClass="entr" presetSubtype="8" fill="hold" grpId="0" nodeType="withEffect">
+                                  <p:stCondLst>
+                                    <p:cond delay="1100"/>
+                                  </p:stCondLst>
+                                  <p:childTnLst>
+                                    <p:set>
+                                      <p:cBhvr>
+                                        <p:cTn id="22" dur="1" fill="hold">
+                                          <p:stCondLst>
+                                            <p:cond delay="0"/>
+                                          </p:stCondLst>
+                                        </p:cTn>
+                                        <p:tgtEl>
+                                          <p:spTgt spid="8"/>
+                                        </p:tgtEl>
+                                        <p:attrNameLst>
+                                          <p:attrName>style.visibility</p:attrName>
+                                        </p:attrNameLst>
+                                      </p:cBhvr>
+                                      <p:to>
+                                        <p:strVal val="visible"/>
+                                      </p:to>
+                                    </p:set>
+                                    <p:anim calcmode="lin" valueType="num">
+                                      <p:cBhvr additive="base">
+                                        <p:cTn id="23" dur="500"/>
+                                        <p:tgtEl>
+                                          <p:spTgt spid="8"/>
+                                        </p:tgtEl>
+                                        <p:attrNameLst>
+                                          <p:attrName>ppt_x</p:attrName>
+                                        </p:attrNameLst>
+                                      </p:cBhvr>
+                                      <p:tavLst>
+                                        <p:tav tm="0">
+                                          <p:val>
+                                            <p:strVal val="#ppt_x-#ppt_w*1.125000"/>
+                                          </p:val>
+                                        </p:tav>
+                                        <p:tav tm="100000">
+                                          <p:val>
+                                            <p:strVal val="#ppt_x"/>
+                                          </p:val>
+                                        </p:tav>
+                                      </p:tavLst>
+                                    </p:anim>
+                                    <p:animEffect transition="in" filter="wipe(right)">
+                                      <p:cBhvr>
+                                        <p:cTn id="24" dur="500"/>
+                                        <p:tgtEl>
+                                          <p:spTgt spid="8"/>
                                         </p:tgtEl>
                                       </p:cBhvr>
                                     </p:animEffect>
@@ -9111,9 +10410,11 @@
       </p:par>
     </p:tnLst>
     <p:bldLst>
-      <p:bldP spid="11" grpId="0"/>
       <p:bldP spid="21" grpId="0"/>
       <p:bldP spid="26" grpId="0"/>
+      <p:bldP spid="6" grpId="0"/>
+      <p:bldP spid="7" grpId="0"/>
+      <p:bldP spid="8" grpId="0"/>
     </p:bldLst>
   </p:timing>
 </p:sld>
@@ -9138,7 +10439,7 @@
       </p:grpSpPr>
       <p:sp>
         <p:nvSpPr>
-          <p:cNvPr id="8" name="矩形 7"/>
+          <p:cNvPr id="9" name="矩形 8"/>
           <p:cNvSpPr>
             <a:spLocks noChangeArrowheads="1"/>
           </p:cNvSpPr>
@@ -9146,8 +10447,8 @@
         </p:nvSpPr>
         <p:spPr bwMode="auto">
           <a:xfrm>
-            <a:off x="771366" y="2052793"/>
-            <a:ext cx="10515600" cy="348813"/>
+            <a:off x="753399" y="1447499"/>
+            <a:ext cx="9444197" cy="3170099"/>
           </a:xfrm>
           <a:prstGeom prst="rect">
             <a:avLst/>
@@ -9189,9 +10490,10 @@
               <a:buClr>
                 <a:srgbClr val="0070C0"/>
               </a:buClr>
+              <a:defRPr/>
             </a:pPr>
             <a:r>
-              <a:rPr lang="zh-CN" altLang="en-US" spc="67" dirty="0">
+              <a:rPr lang="en-US" altLang="zh-CN" b="1" dirty="0">
                 <a:solidFill>
                   <a:schemeClr val="tx1">
                     <a:lumMod val="75000"/>
@@ -9201,17 +10503,74 @@
                 <a:latin typeface="微软雅黑" panose="020B0503020204020204" pitchFamily="34" charset="-122"/>
                 <a:ea typeface="微软雅黑" panose="020B0503020204020204" pitchFamily="34" charset="-122"/>
               </a:rPr>
-              <a:t>官网地址：</a:t>
-            </a:r>
-            <a:r>
-              <a:rPr lang="en-US" dirty="0">
+              <a:t>Element-Ul</a:t>
+            </a:r>
+            <a:r>
+              <a:rPr lang="zh-CN" altLang="en-US" b="1" dirty="0">
+                <a:solidFill>
+                  <a:schemeClr val="tx1">
+                    <a:lumMod val="75000"/>
+                    <a:lumOff val="25000"/>
+                  </a:schemeClr>
+                </a:solidFill>
                 <a:latin typeface="微软雅黑" panose="020B0503020204020204" pitchFamily="34" charset="-122"/>
                 <a:ea typeface="微软雅黑" panose="020B0503020204020204" pitchFamily="34" charset="-122"/>
-                <a:hlinkClick r:id="rId2"/>
-              </a:rPr>
-              <a:t>https://element.eleme.cn/#/zh-CN</a:t>
-            </a:r>
-            <a:endParaRPr lang="zh-CN" altLang="en-US" spc="67" dirty="0">
+              </a:rPr>
+              <a:t>是饿了么前端团队推出的一款基于</a:t>
+            </a:r>
+            <a:r>
+              <a:rPr lang="en-US" altLang="zh-CN" b="1" dirty="0">
+                <a:solidFill>
+                  <a:schemeClr val="tx1">
+                    <a:lumMod val="75000"/>
+                    <a:lumOff val="25000"/>
+                  </a:schemeClr>
+                </a:solidFill>
+                <a:latin typeface="微软雅黑" panose="020B0503020204020204" pitchFamily="34" charset="-122"/>
+                <a:ea typeface="微软雅黑" panose="020B0503020204020204" pitchFamily="34" charset="-122"/>
+              </a:rPr>
+              <a:t>Vue.js 2.0 </a:t>
+            </a:r>
+            <a:r>
+              <a:rPr lang="zh-CN" altLang="en-US" b="1" dirty="0">
+                <a:solidFill>
+                  <a:schemeClr val="tx1">
+                    <a:lumMod val="75000"/>
+                    <a:lumOff val="25000"/>
+                  </a:schemeClr>
+                </a:solidFill>
+                <a:latin typeface="微软雅黑" panose="020B0503020204020204" pitchFamily="34" charset="-122"/>
+                <a:ea typeface="微软雅黑" panose="020B0503020204020204" pitchFamily="34" charset="-122"/>
+              </a:rPr>
+              <a:t>的桌面端</a:t>
+            </a:r>
+            <a:r>
+              <a:rPr lang="en-US" altLang="zh-CN" b="1" dirty="0">
+                <a:solidFill>
+                  <a:schemeClr val="tx1">
+                    <a:lumMod val="75000"/>
+                    <a:lumOff val="25000"/>
+                  </a:schemeClr>
+                </a:solidFill>
+                <a:latin typeface="微软雅黑" panose="020B0503020204020204" pitchFamily="34" charset="-122"/>
+                <a:ea typeface="微软雅黑" panose="020B0503020204020204" pitchFamily="34" charset="-122"/>
+              </a:rPr>
+              <a:t>UI</a:t>
+            </a:r>
+            <a:r>
+              <a:rPr lang="zh-CN" altLang="en-US" b="1" dirty="0">
+                <a:solidFill>
+                  <a:schemeClr val="tx1">
+                    <a:lumMod val="75000"/>
+                    <a:lumOff val="25000"/>
+                  </a:schemeClr>
+                </a:solidFill>
+                <a:latin typeface="微软雅黑" panose="020B0503020204020204" pitchFamily="34" charset="-122"/>
+                <a:ea typeface="微软雅黑" panose="020B0503020204020204" pitchFamily="34" charset="-122"/>
+              </a:rPr>
+              <a:t>框架</a:t>
+            </a:r>
+            <a:endParaRPr lang="en-US" altLang="zh-CN" b="1" dirty="0">
               <a:solidFill>
                 <a:schemeClr val="tx1">
                   <a:lumMod val="75000"/>
@@ -9222,53 +10581,6 @@
               <a:ea typeface="微软雅黑" panose="020B0503020204020204" pitchFamily="34" charset="-122"/>
             </a:endParaRPr>
           </a:p>
-        </p:txBody>
-      </p:sp>
-      <p:sp>
-        <p:nvSpPr>
-          <p:cNvPr id="9" name="矩形 8"/>
-          <p:cNvSpPr>
-            <a:spLocks noChangeArrowheads="1"/>
-          </p:cNvSpPr>
-          <p:nvPr/>
-        </p:nvSpPr>
-        <p:spPr bwMode="auto">
-          <a:xfrm>
-            <a:off x="771366" y="3539999"/>
-            <a:ext cx="9444197" cy="605294"/>
-          </a:xfrm>
-          <a:prstGeom prst="rect">
-            <a:avLst/>
-          </a:prstGeom>
-          <a:noFill/>
-          <a:ln>
-            <a:noFill/>
-          </a:ln>
-          <a:extLst>
-            <a:ext uri="{909E8E84-426E-40DD-AFC4-6F175D3DCCD1}">
-              <a14:hiddenFill xmlns:a14="http://schemas.microsoft.com/office/drawing/2010/main">
-                <a:solidFill>
-                  <a:srgbClr val="FFFFFF"/>
-                </a:solidFill>
-              </a14:hiddenFill>
-            </a:ext>
-            <a:ext uri="{91240B29-F687-4F45-9708-019B960494DF}">
-              <a14:hiddenLine xmlns:a14="http://schemas.microsoft.com/office/drawing/2010/main" w="9525">
-                <a:solidFill>
-                  <a:srgbClr val="000000"/>
-                </a:solidFill>
-                <a:miter lim="800000"/>
-                <a:headEnd/>
-                <a:tailEnd/>
-              </a14:hiddenLine>
-            </a:ext>
-          </a:extLst>
-        </p:spPr>
-        <p:txBody>
-          <a:bodyPr wrap="square">
-            <a:spAutoFit/>
-          </a:bodyPr>
-          <a:lstStyle/>
           <a:p>
             <a:pPr algn="just" defTabSz="914377">
               <a:lnSpc>
@@ -9279,110 +10591,16 @@
               </a:buClr>
               <a:defRPr/>
             </a:pPr>
-            <a:r>
-              <a:rPr lang="en-US" altLang="zh-CN" dirty="0">
-                <a:solidFill>
-                  <a:schemeClr val="tx1">
-                    <a:lumMod val="75000"/>
-                    <a:lumOff val="25000"/>
-                  </a:schemeClr>
-                </a:solidFill>
-                <a:latin typeface="微软雅黑" panose="020B0503020204020204" pitchFamily="34" charset="-122"/>
-                <a:ea typeface="微软雅黑" panose="020B0503020204020204" pitchFamily="34" charset="-122"/>
-              </a:rPr>
-              <a:t>1</a:t>
-            </a:r>
-            <a:r>
-              <a:rPr lang="zh-CN" altLang="en-US" dirty="0">
-                <a:solidFill>
-                  <a:schemeClr val="tx1">
-                    <a:lumMod val="75000"/>
-                    <a:lumOff val="25000"/>
-                  </a:schemeClr>
-                </a:solidFill>
-                <a:latin typeface="微软雅黑" panose="020B0503020204020204" pitchFamily="34" charset="-122"/>
-                <a:ea typeface="微软雅黑" panose="020B0503020204020204" pitchFamily="34" charset="-122"/>
-              </a:rPr>
-              <a:t>、</a:t>
-            </a:r>
-            <a:r>
-              <a:rPr lang="en-US" altLang="zh-CN" dirty="0">
-                <a:solidFill>
-                  <a:schemeClr val="tx1">
-                    <a:lumMod val="75000"/>
-                    <a:lumOff val="25000"/>
-                  </a:schemeClr>
-                </a:solidFill>
-                <a:latin typeface="微软雅黑" panose="020B0503020204020204" pitchFamily="34" charset="-122"/>
-                <a:ea typeface="微软雅黑" panose="020B0503020204020204" pitchFamily="34" charset="-122"/>
-              </a:rPr>
-              <a:t>Element-Ul</a:t>
-            </a:r>
-            <a:r>
-              <a:rPr lang="zh-CN" altLang="en-US" dirty="0">
-                <a:solidFill>
-                  <a:schemeClr val="tx1">
-                    <a:lumMod val="75000"/>
-                    <a:lumOff val="25000"/>
-                  </a:schemeClr>
-                </a:solidFill>
-                <a:latin typeface="微软雅黑" panose="020B0503020204020204" pitchFamily="34" charset="-122"/>
-                <a:ea typeface="微软雅黑" panose="020B0503020204020204" pitchFamily="34" charset="-122"/>
-              </a:rPr>
-              <a:t>是饿了么前端团队推出的一款基于</a:t>
-            </a:r>
-            <a:r>
-              <a:rPr lang="en-US" altLang="zh-CN" dirty="0">
-                <a:solidFill>
-                  <a:schemeClr val="tx1">
-                    <a:lumMod val="75000"/>
-                    <a:lumOff val="25000"/>
-                  </a:schemeClr>
-                </a:solidFill>
-                <a:latin typeface="微软雅黑" panose="020B0503020204020204" pitchFamily="34" charset="-122"/>
-                <a:ea typeface="微软雅黑" panose="020B0503020204020204" pitchFamily="34" charset="-122"/>
-              </a:rPr>
-              <a:t>Vue.js 2.0 </a:t>
-            </a:r>
-            <a:r>
-              <a:rPr lang="zh-CN" altLang="en-US" dirty="0">
-                <a:solidFill>
-                  <a:schemeClr val="tx1">
-                    <a:lumMod val="75000"/>
-                    <a:lumOff val="25000"/>
-                  </a:schemeClr>
-                </a:solidFill>
-                <a:latin typeface="微软雅黑" panose="020B0503020204020204" pitchFamily="34" charset="-122"/>
-                <a:ea typeface="微软雅黑" panose="020B0503020204020204" pitchFamily="34" charset="-122"/>
-              </a:rPr>
-              <a:t>的桌面端</a:t>
-            </a:r>
-            <a:r>
-              <a:rPr lang="en-US" altLang="zh-CN" dirty="0">
-                <a:solidFill>
-                  <a:schemeClr val="tx1">
-                    <a:lumMod val="75000"/>
-                    <a:lumOff val="25000"/>
-                  </a:schemeClr>
-                </a:solidFill>
-                <a:latin typeface="微软雅黑" panose="020B0503020204020204" pitchFamily="34" charset="-122"/>
-                <a:ea typeface="微软雅黑" panose="020B0503020204020204" pitchFamily="34" charset="-122"/>
-              </a:rPr>
-              <a:t>UI</a:t>
-            </a:r>
-            <a:r>
-              <a:rPr lang="zh-CN" altLang="en-US" dirty="0">
-                <a:solidFill>
-                  <a:schemeClr val="tx1">
-                    <a:lumMod val="75000"/>
-                    <a:lumOff val="25000"/>
-                  </a:schemeClr>
-                </a:solidFill>
-                <a:latin typeface="微软雅黑" panose="020B0503020204020204" pitchFamily="34" charset="-122"/>
-                <a:ea typeface="微软雅黑" panose="020B0503020204020204" pitchFamily="34" charset="-122"/>
-              </a:rPr>
-              <a:t>框架</a:t>
-            </a:r>
+            <a:endParaRPr lang="en-US" altLang="zh-CN" b="1" dirty="0">
+              <a:solidFill>
+                <a:schemeClr val="tx1">
+                  <a:lumMod val="75000"/>
+                  <a:lumOff val="25000"/>
+                </a:schemeClr>
+              </a:solidFill>
+              <a:latin typeface="微软雅黑" panose="020B0503020204020204" pitchFamily="34" charset="-122"/>
+              <a:ea typeface="微软雅黑" panose="020B0503020204020204" pitchFamily="34" charset="-122"/>
+            </a:endParaRPr>
           </a:p>
           <a:p>
             <a:pPr algn="just" defTabSz="914377">
@@ -9395,7 +10613,7 @@
               <a:defRPr/>
             </a:pPr>
             <a:r>
-              <a:rPr lang="en-US" altLang="zh-CN" dirty="0">
+              <a:rPr lang="en-US" altLang="zh-CN" b="1" dirty="0">
                 <a:solidFill>
                   <a:schemeClr val="tx1">
                     <a:lumMod val="75000"/>
@@ -9405,10 +10623,10 @@
                 <a:latin typeface="微软雅黑" panose="020B0503020204020204" pitchFamily="34" charset="-122"/>
                 <a:ea typeface="微软雅黑" panose="020B0503020204020204" pitchFamily="34" charset="-122"/>
               </a:rPr>
-              <a:t>2</a:t>
-            </a:r>
-            <a:r>
-              <a:rPr lang="zh-CN" altLang="en-US" dirty="0">
+              <a:t>1</a:t>
+            </a:r>
+            <a:r>
+              <a:rPr lang="zh-CN" altLang="en-US" b="1" dirty="0">
                 <a:solidFill>
                   <a:schemeClr val="tx1">
                     <a:lumMod val="75000"/>
@@ -9418,10 +10636,94 @@
                 <a:latin typeface="微软雅黑" panose="020B0503020204020204" pitchFamily="34" charset="-122"/>
                 <a:ea typeface="微软雅黑" panose="020B0503020204020204" pitchFamily="34" charset="-122"/>
               </a:rPr>
-              <a:t>、</a:t>
-            </a:r>
-            <a:r>
-              <a:rPr lang="en-US" altLang="zh-CN" dirty="0" err="1">
+              <a:t>、使用方式</a:t>
+            </a:r>
+            <a:endParaRPr lang="en-US" altLang="zh-CN" b="1" dirty="0">
+              <a:solidFill>
+                <a:schemeClr val="tx1">
+                  <a:lumMod val="75000"/>
+                  <a:lumOff val="25000"/>
+                </a:schemeClr>
+              </a:solidFill>
+              <a:latin typeface="微软雅黑" panose="020B0503020204020204" pitchFamily="34" charset="-122"/>
+              <a:ea typeface="微软雅黑" panose="020B0503020204020204" pitchFamily="34" charset="-122"/>
+            </a:endParaRPr>
+          </a:p>
+          <a:p>
+            <a:pPr algn="just" defTabSz="914377">
+              <a:lnSpc>
+                <a:spcPts val="2000"/>
+              </a:lnSpc>
+              <a:buClr>
+                <a:srgbClr val="0070C0"/>
+              </a:buClr>
+              <a:defRPr/>
+            </a:pPr>
+            <a:endParaRPr lang="en-US" altLang="zh-CN" b="1" dirty="0">
+              <a:solidFill>
+                <a:schemeClr val="tx1">
+                  <a:lumMod val="75000"/>
+                  <a:lumOff val="25000"/>
+                </a:schemeClr>
+              </a:solidFill>
+              <a:latin typeface="微软雅黑" panose="020B0503020204020204" pitchFamily="34" charset="-122"/>
+              <a:ea typeface="微软雅黑" panose="020B0503020204020204" pitchFamily="34" charset="-122"/>
+            </a:endParaRPr>
+          </a:p>
+          <a:p>
+            <a:pPr algn="just" defTabSz="914377">
+              <a:lnSpc>
+                <a:spcPts val="2000"/>
+              </a:lnSpc>
+              <a:buClr>
+                <a:srgbClr val="0070C0"/>
+              </a:buClr>
+              <a:defRPr/>
+            </a:pPr>
+            <a:endParaRPr lang="en-US" altLang="zh-CN" b="1" dirty="0">
+              <a:solidFill>
+                <a:schemeClr val="tx1">
+                  <a:lumMod val="75000"/>
+                  <a:lumOff val="25000"/>
+                </a:schemeClr>
+              </a:solidFill>
+              <a:latin typeface="微软雅黑" panose="020B0503020204020204" pitchFamily="34" charset="-122"/>
+              <a:ea typeface="微软雅黑" panose="020B0503020204020204" pitchFamily="34" charset="-122"/>
+            </a:endParaRPr>
+          </a:p>
+          <a:p>
+            <a:pPr algn="just" defTabSz="914377">
+              <a:lnSpc>
+                <a:spcPts val="2000"/>
+              </a:lnSpc>
+              <a:buClr>
+                <a:srgbClr val="0070C0"/>
+              </a:buClr>
+              <a:defRPr/>
+            </a:pPr>
+            <a:endParaRPr lang="en-US" altLang="zh-CN" b="1" dirty="0">
+              <a:solidFill>
+                <a:schemeClr val="tx1">
+                  <a:lumMod val="75000"/>
+                  <a:lumOff val="25000"/>
+                </a:schemeClr>
+              </a:solidFill>
+              <a:latin typeface="微软雅黑" panose="020B0503020204020204" pitchFamily="34" charset="-122"/>
+              <a:ea typeface="微软雅黑" panose="020B0503020204020204" pitchFamily="34" charset="-122"/>
+            </a:endParaRPr>
+          </a:p>
+          <a:p>
+            <a:pPr algn="just" defTabSz="914377">
+              <a:lnSpc>
+                <a:spcPts val="2000"/>
+              </a:lnSpc>
+              <a:buClr>
+                <a:srgbClr val="0070C0"/>
+              </a:buClr>
+              <a:defRPr/>
+            </a:pPr>
+            <a:r>
+              <a:rPr lang="en-US" altLang="zh-CN" b="1" dirty="0">
                 <a:solidFill>
                   <a:schemeClr val="tx1">
                     <a:lumMod val="75000"/>
@@ -9431,10 +10733,10 @@
                 <a:latin typeface="微软雅黑" panose="020B0503020204020204" pitchFamily="34" charset="-122"/>
                 <a:ea typeface="微软雅黑" panose="020B0503020204020204" pitchFamily="34" charset="-122"/>
               </a:rPr>
-              <a:t>vue</a:t>
-            </a:r>
-            <a:r>
-              <a:rPr lang="zh-CN" altLang="en-US" dirty="0">
+              <a:t>2</a:t>
+            </a:r>
+            <a:r>
+              <a:rPr lang="zh-CN" altLang="en-US" b="1" dirty="0">
                 <a:solidFill>
                   <a:schemeClr val="tx1">
                     <a:lumMod val="75000"/>
@@ -9444,8 +10746,152 @@
                 <a:latin typeface="微软雅黑" panose="020B0503020204020204" pitchFamily="34" charset="-122"/>
                 <a:ea typeface="微软雅黑" panose="020B0503020204020204" pitchFamily="34" charset="-122"/>
               </a:rPr>
-              <a:t>的两种开发方式都可以使用	</a:t>
-            </a:r>
+              <a:t>、数据使用</a:t>
+            </a:r>
+            <a:endParaRPr lang="en-US" altLang="zh-CN" b="1" dirty="0">
+              <a:solidFill>
+                <a:schemeClr val="tx1">
+                  <a:lumMod val="75000"/>
+                  <a:lumOff val="25000"/>
+                </a:schemeClr>
+              </a:solidFill>
+              <a:latin typeface="微软雅黑" panose="020B0503020204020204" pitchFamily="34" charset="-122"/>
+              <a:ea typeface="微软雅黑" panose="020B0503020204020204" pitchFamily="34" charset="-122"/>
+            </a:endParaRPr>
+          </a:p>
+          <a:p>
+            <a:pPr algn="just" defTabSz="914377">
+              <a:lnSpc>
+                <a:spcPts val="2000"/>
+              </a:lnSpc>
+              <a:buClr>
+                <a:srgbClr val="0070C0"/>
+              </a:buClr>
+              <a:defRPr/>
+            </a:pPr>
+            <a:endParaRPr lang="en-US" altLang="zh-CN" b="1" dirty="0">
+              <a:solidFill>
+                <a:schemeClr val="tx1">
+                  <a:lumMod val="75000"/>
+                  <a:lumOff val="25000"/>
+                </a:schemeClr>
+              </a:solidFill>
+              <a:latin typeface="微软雅黑" panose="020B0503020204020204" pitchFamily="34" charset="-122"/>
+              <a:ea typeface="微软雅黑" panose="020B0503020204020204" pitchFamily="34" charset="-122"/>
+            </a:endParaRPr>
+          </a:p>
+          <a:p>
+            <a:pPr algn="just" defTabSz="914377">
+              <a:lnSpc>
+                <a:spcPts val="2000"/>
+              </a:lnSpc>
+              <a:buClr>
+                <a:srgbClr val="0070C0"/>
+              </a:buClr>
+              <a:defRPr/>
+            </a:pPr>
+            <a:endParaRPr lang="en-US" altLang="zh-CN" b="1" dirty="0">
+              <a:solidFill>
+                <a:schemeClr val="tx1">
+                  <a:lumMod val="75000"/>
+                  <a:lumOff val="25000"/>
+                </a:schemeClr>
+              </a:solidFill>
+              <a:latin typeface="微软雅黑" panose="020B0503020204020204" pitchFamily="34" charset="-122"/>
+              <a:ea typeface="微软雅黑" panose="020B0503020204020204" pitchFamily="34" charset="-122"/>
+            </a:endParaRPr>
+          </a:p>
+          <a:p>
+            <a:pPr algn="just" defTabSz="914377">
+              <a:lnSpc>
+                <a:spcPts val="2000"/>
+              </a:lnSpc>
+              <a:buClr>
+                <a:srgbClr val="0070C0"/>
+              </a:buClr>
+              <a:defRPr/>
+            </a:pPr>
+            <a:endParaRPr lang="en-US" altLang="zh-CN" b="1" dirty="0">
+              <a:solidFill>
+                <a:schemeClr val="tx1">
+                  <a:lumMod val="75000"/>
+                  <a:lumOff val="25000"/>
+                </a:schemeClr>
+              </a:solidFill>
+              <a:latin typeface="微软雅黑" panose="020B0503020204020204" pitchFamily="34" charset="-122"/>
+              <a:ea typeface="微软雅黑" panose="020B0503020204020204" pitchFamily="34" charset="-122"/>
+            </a:endParaRPr>
+          </a:p>
+          <a:p>
+            <a:pPr algn="just" defTabSz="914377">
+              <a:lnSpc>
+                <a:spcPts val="2000"/>
+              </a:lnSpc>
+              <a:buClr>
+                <a:srgbClr val="0070C0"/>
+              </a:buClr>
+              <a:defRPr/>
+            </a:pPr>
+            <a:r>
+              <a:rPr lang="en-US" altLang="zh-CN" b="1" dirty="0">
+                <a:solidFill>
+                  <a:schemeClr val="tx1">
+                    <a:lumMod val="75000"/>
+                    <a:lumOff val="25000"/>
+                  </a:schemeClr>
+                </a:solidFill>
+                <a:latin typeface="微软雅黑" panose="020B0503020204020204" pitchFamily="34" charset="-122"/>
+                <a:ea typeface="微软雅黑" panose="020B0503020204020204" pitchFamily="34" charset="-122"/>
+              </a:rPr>
+              <a:t>3</a:t>
+            </a:r>
+            <a:r>
+              <a:rPr lang="zh-CN" altLang="en-US" b="1" dirty="0">
+                <a:solidFill>
+                  <a:schemeClr val="tx1">
+                    <a:lumMod val="75000"/>
+                    <a:lumOff val="25000"/>
+                  </a:schemeClr>
+                </a:solidFill>
+                <a:latin typeface="微软雅黑" panose="020B0503020204020204" pitchFamily="34" charset="-122"/>
+                <a:ea typeface="微软雅黑" panose="020B0503020204020204" pitchFamily="34" charset="-122"/>
+              </a:rPr>
+              <a:t>、单表页面</a:t>
+            </a:r>
+            <a:r>
+              <a:rPr lang="en-US" altLang="zh-CN" b="1" dirty="0">
+                <a:solidFill>
+                  <a:schemeClr val="tx1">
+                    <a:lumMod val="75000"/>
+                    <a:lumOff val="25000"/>
+                  </a:schemeClr>
+                </a:solidFill>
+                <a:latin typeface="微软雅黑" panose="020B0503020204020204" pitchFamily="34" charset="-122"/>
+                <a:ea typeface="微软雅黑" panose="020B0503020204020204" pitchFamily="34" charset="-122"/>
+              </a:rPr>
+              <a:t>demo</a:t>
+            </a:r>
+            <a:endParaRPr lang="zh-CN" altLang="en-US" b="1" dirty="0">
+              <a:solidFill>
+                <a:schemeClr val="tx1">
+                  <a:lumMod val="75000"/>
+                  <a:lumOff val="25000"/>
+                </a:schemeClr>
+              </a:solidFill>
+              <a:latin typeface="微软雅黑" panose="020B0503020204020204" pitchFamily="34" charset="-122"/>
+              <a:ea typeface="微软雅黑" panose="020B0503020204020204" pitchFamily="34" charset="-122"/>
+            </a:endParaRPr>
+          </a:p>
+          <a:p>
+            <a:pPr algn="just" defTabSz="914377">
+              <a:lnSpc>
+                <a:spcPts val="2000"/>
+              </a:lnSpc>
+              <a:buClr>
+                <a:srgbClr val="0070C0"/>
+              </a:buClr>
+              <a:defRPr/>
+            </a:pPr>
             <a:endParaRPr lang="en-US" altLang="zh-CN" dirty="0">
               <a:solidFill>
                 <a:schemeClr val="tx1">
@@ -9484,7 +10930,18 @@
               <a:rPr lang="en-US" altLang="zh-CN" dirty="0" err="1"/>
               <a:t>ui</a:t>
             </a:r>
-            <a:endParaRPr lang="zh-CN" altLang="en-US" dirty="0"/>
+            <a:r>
+              <a:rPr lang="en-US" altLang="zh-CN" dirty="0"/>
+              <a:t> 		</a:t>
+            </a:r>
+            <a:r>
+              <a:rPr lang="en-US" sz="1800" dirty="0">
+                <a:latin typeface="微软雅黑" panose="020B0503020204020204" pitchFamily="34" charset="-122"/>
+                <a:hlinkClick r:id="rId2"/>
+              </a:rPr>
+              <a:t>https://element.eleme.cn/#/zh-CN</a:t>
+            </a:r>
+            <a:endParaRPr lang="zh-CN" altLang="en-US" sz="2000" dirty="0"/>
           </a:p>
         </p:txBody>
       </p:sp>
@@ -9536,70 +10993,12 @@
                               <p:par>
                                 <p:cTn id="5" presetID="12" presetClass="entr" presetSubtype="4" fill="hold" grpId="0" nodeType="withEffect">
                                   <p:stCondLst>
-                                    <p:cond delay="600"/>
+                                    <p:cond delay="700"/>
                                   </p:stCondLst>
                                   <p:childTnLst>
                                     <p:set>
                                       <p:cBhvr>
                                         <p:cTn id="6" dur="1" fill="hold">
-                                          <p:stCondLst>
-                                            <p:cond delay="0"/>
-                                          </p:stCondLst>
-                                        </p:cTn>
-                                        <p:tgtEl>
-                                          <p:spTgt spid="8"/>
-                                        </p:tgtEl>
-                                        <p:attrNameLst>
-                                          <p:attrName>style.visibility</p:attrName>
-                                        </p:attrNameLst>
-                                      </p:cBhvr>
-                                      <p:to>
-                                        <p:strVal val="visible"/>
-                                      </p:to>
-                                    </p:set>
-                                    <p:anim calcmode="lin" valueType="num">
-                                      <p:cBhvr additive="base">
-                                        <p:cTn id="7" dur="500"/>
-                                        <p:tgtEl>
-                                          <p:spTgt spid="8"/>
-                                        </p:tgtEl>
-                                        <p:attrNameLst>
-                                          <p:attrName>ppt_y</p:attrName>
-                                        </p:attrNameLst>
-                                      </p:cBhvr>
-                                      <p:tavLst>
-                                        <p:tav tm="0">
-                                          <p:val>
-                                            <p:strVal val="#ppt_y+#ppt_h*1.125000"/>
-                                          </p:val>
-                                        </p:tav>
-                                        <p:tav tm="100000">
-                                          <p:val>
-                                            <p:strVal val="#ppt_y"/>
-                                          </p:val>
-                                        </p:tav>
-                                      </p:tavLst>
-                                    </p:anim>
-                                    <p:animEffect transition="in" filter="wipe(up)">
-                                      <p:cBhvr>
-                                        <p:cTn id="8" dur="500"/>
-                                        <p:tgtEl>
-                                          <p:spTgt spid="8"/>
-                                        </p:tgtEl>
-                                      </p:cBhvr>
-                                    </p:animEffect>
-                                  </p:childTnLst>
-                                </p:cTn>
-                              </p:par>
-                              <p:par>
-                                <p:cTn id="9" presetID="12" presetClass="entr" presetSubtype="4" fill="hold" grpId="0" nodeType="withEffect">
-                                  <p:stCondLst>
-                                    <p:cond delay="700"/>
-                                  </p:stCondLst>
-                                  <p:childTnLst>
-                                    <p:set>
-                                      <p:cBhvr>
-                                        <p:cTn id="10" dur="1" fill="hold">
                                           <p:stCondLst>
                                             <p:cond delay="0"/>
                                           </p:stCondLst>
@@ -9617,7 +11016,7 @@
                                     </p:set>
                                     <p:anim calcmode="lin" valueType="num">
                                       <p:cBhvr additive="base">
-                                        <p:cTn id="11" dur="500"/>
+                                        <p:cTn id="7" dur="500"/>
                                         <p:tgtEl>
                                           <p:spTgt spid="9"/>
                                         </p:tgtEl>
@@ -9640,7 +11039,7 @@
                                     </p:anim>
                                     <p:animEffect transition="in" filter="wipe(up)">
                                       <p:cBhvr>
-                                        <p:cTn id="12" dur="500"/>
+                                        <p:cTn id="8" dur="500"/>
                                         <p:tgtEl>
                                           <p:spTgt spid="9"/>
                                         </p:tgtEl>
@@ -9677,7 +11076,6 @@
       </p:par>
     </p:tnLst>
     <p:bldLst>
-      <p:bldP spid="8" grpId="0"/>
       <p:bldP spid="9" grpId="0"/>
     </p:bldLst>
   </p:timing>
@@ -9685,6 +11083,843 @@
 </file>
 
 <file path=ppt/slides/slide6.xml><?xml version="1.0" encoding="utf-8"?>
+<p:sld xmlns:a="http://schemas.openxmlformats.org/drawingml/2006/main" xmlns:r="http://schemas.openxmlformats.org/officeDocument/2006/relationships" xmlns:p="http://schemas.openxmlformats.org/presentationml/2006/main">
+  <p:cSld>
+    <p:spTree>
+      <p:nvGrpSpPr>
+        <p:cNvPr id="1" name=""/>
+        <p:cNvGrpSpPr/>
+        <p:nvPr/>
+      </p:nvGrpSpPr>
+      <p:grpSpPr>
+        <a:xfrm>
+          <a:off x="0" y="0"/>
+          <a:ext cx="0" cy="0"/>
+          <a:chOff x="0" y="0"/>
+          <a:chExt cx="0" cy="0"/>
+        </a:xfrm>
+      </p:grpSpPr>
+      <p:sp>
+        <p:nvSpPr>
+          <p:cNvPr id="9" name="矩形 8"/>
+          <p:cNvSpPr>
+            <a:spLocks noChangeArrowheads="1"/>
+          </p:cNvSpPr>
+          <p:nvPr/>
+        </p:nvSpPr>
+        <p:spPr bwMode="auto">
+          <a:xfrm>
+            <a:off x="753399" y="1447499"/>
+            <a:ext cx="9444197" cy="3939540"/>
+          </a:xfrm>
+          <a:prstGeom prst="rect">
+            <a:avLst/>
+          </a:prstGeom>
+          <a:noFill/>
+          <a:ln>
+            <a:noFill/>
+          </a:ln>
+          <a:extLst>
+            <a:ext uri="{909E8E84-426E-40DD-AFC4-6F175D3DCCD1}">
+              <a14:hiddenFill xmlns:a14="http://schemas.microsoft.com/office/drawing/2010/main">
+                <a:solidFill>
+                  <a:srgbClr val="FFFFFF"/>
+                </a:solidFill>
+              </a14:hiddenFill>
+            </a:ext>
+            <a:ext uri="{91240B29-F687-4F45-9708-019B960494DF}">
+              <a14:hiddenLine xmlns:a14="http://schemas.microsoft.com/office/drawing/2010/main" w="9525">
+                <a:solidFill>
+                  <a:srgbClr val="000000"/>
+                </a:solidFill>
+                <a:miter lim="800000"/>
+                <a:headEnd/>
+                <a:tailEnd/>
+              </a14:hiddenLine>
+            </a:ext>
+          </a:extLst>
+        </p:spPr>
+        <p:txBody>
+          <a:bodyPr wrap="square">
+            <a:spAutoFit/>
+          </a:bodyPr>
+          <a:lstStyle/>
+          <a:p>
+            <a:pPr algn="just" defTabSz="914377">
+              <a:lnSpc>
+                <a:spcPts val="2000"/>
+              </a:lnSpc>
+              <a:buClr>
+                <a:srgbClr val="0070C0"/>
+              </a:buClr>
+              <a:defRPr/>
+            </a:pPr>
+            <a:r>
+              <a:rPr lang="en-US" altLang="zh-CN" b="1" dirty="0">
+                <a:solidFill>
+                  <a:schemeClr val="tx1">
+                    <a:lumMod val="75000"/>
+                    <a:lumOff val="25000"/>
+                  </a:schemeClr>
+                </a:solidFill>
+                <a:latin typeface="微软雅黑" panose="020B0503020204020204" pitchFamily="34" charset="-122"/>
+                <a:ea typeface="微软雅黑" panose="020B0503020204020204" pitchFamily="34" charset="-122"/>
+              </a:rPr>
+              <a:t>1</a:t>
+            </a:r>
+            <a:r>
+              <a:rPr lang="zh-CN" altLang="en-US" b="1" dirty="0">
+                <a:solidFill>
+                  <a:schemeClr val="tx1">
+                    <a:lumMod val="75000"/>
+                    <a:lumOff val="25000"/>
+                  </a:schemeClr>
+                </a:solidFill>
+                <a:latin typeface="微软雅黑" panose="020B0503020204020204" pitchFamily="34" charset="-122"/>
+                <a:ea typeface="微软雅黑" panose="020B0503020204020204" pitchFamily="34" charset="-122"/>
+              </a:rPr>
+              <a:t>、封装自定义组件</a:t>
+            </a:r>
+            <a:endParaRPr lang="en-US" altLang="zh-CN" b="1" dirty="0">
+              <a:solidFill>
+                <a:schemeClr val="tx1">
+                  <a:lumMod val="75000"/>
+                  <a:lumOff val="25000"/>
+                </a:schemeClr>
+              </a:solidFill>
+              <a:latin typeface="微软雅黑" panose="020B0503020204020204" pitchFamily="34" charset="-122"/>
+              <a:ea typeface="微软雅黑" panose="020B0503020204020204" pitchFamily="34" charset="-122"/>
+            </a:endParaRPr>
+          </a:p>
+          <a:p>
+            <a:pPr algn="just" defTabSz="914377">
+              <a:lnSpc>
+                <a:spcPts val="2000"/>
+              </a:lnSpc>
+              <a:buClr>
+                <a:srgbClr val="0070C0"/>
+              </a:buClr>
+              <a:defRPr/>
+            </a:pPr>
+            <a:endParaRPr lang="en-US" altLang="zh-CN" b="1" dirty="0">
+              <a:solidFill>
+                <a:schemeClr val="tx1">
+                  <a:lumMod val="75000"/>
+                  <a:lumOff val="25000"/>
+                </a:schemeClr>
+              </a:solidFill>
+              <a:latin typeface="微软雅黑" panose="020B0503020204020204" pitchFamily="34" charset="-122"/>
+              <a:ea typeface="微软雅黑" panose="020B0503020204020204" pitchFamily="34" charset="-122"/>
+            </a:endParaRPr>
+          </a:p>
+          <a:p>
+            <a:pPr algn="just" defTabSz="914377">
+              <a:lnSpc>
+                <a:spcPts val="2000"/>
+              </a:lnSpc>
+              <a:buClr>
+                <a:srgbClr val="0070C0"/>
+              </a:buClr>
+              <a:defRPr/>
+            </a:pPr>
+            <a:endParaRPr lang="en-US" altLang="zh-CN" b="1" dirty="0">
+              <a:solidFill>
+                <a:schemeClr val="tx1">
+                  <a:lumMod val="75000"/>
+                  <a:lumOff val="25000"/>
+                </a:schemeClr>
+              </a:solidFill>
+              <a:latin typeface="微软雅黑" panose="020B0503020204020204" pitchFamily="34" charset="-122"/>
+              <a:ea typeface="微软雅黑" panose="020B0503020204020204" pitchFamily="34" charset="-122"/>
+            </a:endParaRPr>
+          </a:p>
+          <a:p>
+            <a:pPr algn="just" defTabSz="914377">
+              <a:lnSpc>
+                <a:spcPts val="2000"/>
+              </a:lnSpc>
+              <a:buClr>
+                <a:srgbClr val="0070C0"/>
+              </a:buClr>
+              <a:defRPr/>
+            </a:pPr>
+            <a:r>
+              <a:rPr lang="en-US" altLang="zh-CN" b="1" dirty="0">
+                <a:solidFill>
+                  <a:schemeClr val="tx1">
+                    <a:lumMod val="75000"/>
+                    <a:lumOff val="25000"/>
+                  </a:schemeClr>
+                </a:solidFill>
+                <a:latin typeface="微软雅黑" panose="020B0503020204020204" pitchFamily="34" charset="-122"/>
+                <a:ea typeface="微软雅黑" panose="020B0503020204020204" pitchFamily="34" charset="-122"/>
+              </a:rPr>
+              <a:t>2</a:t>
+            </a:r>
+            <a:r>
+              <a:rPr lang="zh-CN" altLang="en-US" b="1" dirty="0">
+                <a:solidFill>
+                  <a:schemeClr val="tx1">
+                    <a:lumMod val="75000"/>
+                    <a:lumOff val="25000"/>
+                  </a:schemeClr>
+                </a:solidFill>
+                <a:latin typeface="微软雅黑" panose="020B0503020204020204" pitchFamily="34" charset="-122"/>
+                <a:ea typeface="微软雅黑" panose="020B0503020204020204" pitchFamily="34" charset="-122"/>
+              </a:rPr>
+              <a:t>、封装组件时注意事项：</a:t>
+            </a:r>
+            <a:r>
+              <a:rPr lang="en-US" altLang="zh-CN" b="1" dirty="0">
+                <a:solidFill>
+                  <a:schemeClr val="tx1">
+                    <a:lumMod val="75000"/>
+                    <a:lumOff val="25000"/>
+                  </a:schemeClr>
+                </a:solidFill>
+                <a:latin typeface="微软雅黑" panose="020B0503020204020204" pitchFamily="34" charset="-122"/>
+                <a:ea typeface="微软雅黑" panose="020B0503020204020204" pitchFamily="34" charset="-122"/>
+              </a:rPr>
+              <a:t>template</a:t>
+            </a:r>
+            <a:r>
+              <a:rPr lang="zh-CN" altLang="en-US" b="1" dirty="0">
+                <a:solidFill>
+                  <a:schemeClr val="tx1">
+                    <a:lumMod val="75000"/>
+                    <a:lumOff val="25000"/>
+                  </a:schemeClr>
+                </a:solidFill>
+                <a:latin typeface="微软雅黑" panose="020B0503020204020204" pitchFamily="34" charset="-122"/>
+                <a:ea typeface="微软雅黑" panose="020B0503020204020204" pitchFamily="34" charset="-122"/>
+              </a:rPr>
+              <a:t>、</a:t>
+            </a:r>
+            <a:r>
+              <a:rPr lang="en-US" altLang="zh-CN" b="1" dirty="0" err="1">
+                <a:solidFill>
+                  <a:schemeClr val="tx1">
+                    <a:lumMod val="75000"/>
+                    <a:lumOff val="25000"/>
+                  </a:schemeClr>
+                </a:solidFill>
+                <a:latin typeface="微软雅黑" panose="020B0503020204020204" pitchFamily="34" charset="-122"/>
+                <a:ea typeface="微软雅黑" panose="020B0503020204020204" pitchFamily="34" charset="-122"/>
+              </a:rPr>
+              <a:t>porps</a:t>
+            </a:r>
+            <a:r>
+              <a:rPr lang="zh-CN" altLang="en-US" b="1" dirty="0">
+                <a:solidFill>
+                  <a:schemeClr val="tx1">
+                    <a:lumMod val="75000"/>
+                    <a:lumOff val="25000"/>
+                  </a:schemeClr>
+                </a:solidFill>
+                <a:latin typeface="微软雅黑" panose="020B0503020204020204" pitchFamily="34" charset="-122"/>
+                <a:ea typeface="微软雅黑" panose="020B0503020204020204" pitchFamily="34" charset="-122"/>
+              </a:rPr>
+              <a:t>、</a:t>
+            </a:r>
+            <a:r>
+              <a:rPr lang="en-US" altLang="zh-CN" b="1" dirty="0">
+                <a:solidFill>
+                  <a:schemeClr val="tx1">
+                    <a:lumMod val="75000"/>
+                    <a:lumOff val="25000"/>
+                  </a:schemeClr>
+                </a:solidFill>
+                <a:latin typeface="微软雅黑" panose="020B0503020204020204" pitchFamily="34" charset="-122"/>
+                <a:ea typeface="微软雅黑" panose="020B0503020204020204" pitchFamily="34" charset="-122"/>
+              </a:rPr>
+              <a:t>data</a:t>
+            </a:r>
+          </a:p>
+          <a:p>
+            <a:pPr algn="just" defTabSz="914377">
+              <a:lnSpc>
+                <a:spcPts val="2000"/>
+              </a:lnSpc>
+              <a:buClr>
+                <a:srgbClr val="0070C0"/>
+              </a:buClr>
+              <a:defRPr/>
+            </a:pPr>
+            <a:endParaRPr lang="en-US" altLang="zh-CN" b="1" dirty="0">
+              <a:solidFill>
+                <a:schemeClr val="tx1">
+                  <a:lumMod val="75000"/>
+                  <a:lumOff val="25000"/>
+                </a:schemeClr>
+              </a:solidFill>
+              <a:latin typeface="微软雅黑" panose="020B0503020204020204" pitchFamily="34" charset="-122"/>
+              <a:ea typeface="微软雅黑" panose="020B0503020204020204" pitchFamily="34" charset="-122"/>
+            </a:endParaRPr>
+          </a:p>
+          <a:p>
+            <a:pPr algn="just" defTabSz="914377">
+              <a:lnSpc>
+                <a:spcPts val="2000"/>
+              </a:lnSpc>
+              <a:buClr>
+                <a:srgbClr val="0070C0"/>
+              </a:buClr>
+              <a:defRPr/>
+            </a:pPr>
+            <a:endParaRPr lang="en-US" altLang="zh-CN" b="1" dirty="0">
+              <a:solidFill>
+                <a:schemeClr val="tx1">
+                  <a:lumMod val="75000"/>
+                  <a:lumOff val="25000"/>
+                </a:schemeClr>
+              </a:solidFill>
+              <a:latin typeface="微软雅黑" panose="020B0503020204020204" pitchFamily="34" charset="-122"/>
+              <a:ea typeface="微软雅黑" panose="020B0503020204020204" pitchFamily="34" charset="-122"/>
+            </a:endParaRPr>
+          </a:p>
+          <a:p>
+            <a:pPr algn="just" defTabSz="914377">
+              <a:lnSpc>
+                <a:spcPts val="2000"/>
+              </a:lnSpc>
+              <a:buClr>
+                <a:srgbClr val="0070C0"/>
+              </a:buClr>
+              <a:defRPr/>
+            </a:pPr>
+            <a:r>
+              <a:rPr lang="en-US" altLang="zh-CN" b="1" dirty="0">
+                <a:solidFill>
+                  <a:schemeClr val="tx1">
+                    <a:lumMod val="75000"/>
+                    <a:lumOff val="25000"/>
+                  </a:schemeClr>
+                </a:solidFill>
+                <a:latin typeface="微软雅黑" panose="020B0503020204020204" pitchFamily="34" charset="-122"/>
+                <a:ea typeface="微软雅黑" panose="020B0503020204020204" pitchFamily="34" charset="-122"/>
+              </a:rPr>
+              <a:t>3</a:t>
+            </a:r>
+            <a:r>
+              <a:rPr lang="zh-CN" altLang="en-US" b="1" dirty="0">
+                <a:solidFill>
+                  <a:schemeClr val="tx1">
+                    <a:lumMod val="75000"/>
+                    <a:lumOff val="25000"/>
+                  </a:schemeClr>
+                </a:solidFill>
+                <a:latin typeface="微软雅黑" panose="020B0503020204020204" pitchFamily="34" charset="-122"/>
+                <a:ea typeface="微软雅黑" panose="020B0503020204020204" pitchFamily="34" charset="-122"/>
+              </a:rPr>
+              <a:t>、父子组件传参：</a:t>
+            </a:r>
+            <a:r>
+              <a:rPr lang="en-US" altLang="zh-CN" b="1" dirty="0" err="1">
+                <a:solidFill>
+                  <a:schemeClr val="tx1">
+                    <a:lumMod val="75000"/>
+                    <a:lumOff val="25000"/>
+                  </a:schemeClr>
+                </a:solidFill>
+                <a:latin typeface="微软雅黑" panose="020B0503020204020204" pitchFamily="34" charset="-122"/>
+                <a:ea typeface="微软雅黑" panose="020B0503020204020204" pitchFamily="34" charset="-122"/>
+              </a:rPr>
+              <a:t>porps</a:t>
+            </a:r>
+            <a:r>
+              <a:rPr lang="zh-CN" altLang="en-US" b="1" dirty="0">
+                <a:solidFill>
+                  <a:schemeClr val="tx1">
+                    <a:lumMod val="75000"/>
+                    <a:lumOff val="25000"/>
+                  </a:schemeClr>
+                </a:solidFill>
+                <a:latin typeface="微软雅黑" panose="020B0503020204020204" pitchFamily="34" charset="-122"/>
+                <a:ea typeface="微软雅黑" panose="020B0503020204020204" pitchFamily="34" charset="-122"/>
+              </a:rPr>
+              <a:t>、</a:t>
+            </a:r>
+            <a:r>
+              <a:rPr lang="en-US" altLang="zh-CN" b="1" dirty="0">
+                <a:solidFill>
+                  <a:schemeClr val="tx1">
+                    <a:lumMod val="75000"/>
+                    <a:lumOff val="25000"/>
+                  </a:schemeClr>
+                </a:solidFill>
+                <a:latin typeface="微软雅黑" panose="020B0503020204020204" pitchFamily="34" charset="-122"/>
+                <a:ea typeface="微软雅黑" panose="020B0503020204020204" pitchFamily="34" charset="-122"/>
+              </a:rPr>
+              <a:t>$emit</a:t>
+            </a:r>
+          </a:p>
+          <a:p>
+            <a:pPr algn="just" defTabSz="914377">
+              <a:lnSpc>
+                <a:spcPts val="2000"/>
+              </a:lnSpc>
+              <a:buClr>
+                <a:srgbClr val="0070C0"/>
+              </a:buClr>
+              <a:defRPr/>
+            </a:pPr>
+            <a:endParaRPr lang="en-US" altLang="zh-CN" b="1" dirty="0">
+              <a:solidFill>
+                <a:schemeClr val="tx1">
+                  <a:lumMod val="75000"/>
+                  <a:lumOff val="25000"/>
+                </a:schemeClr>
+              </a:solidFill>
+              <a:latin typeface="微软雅黑" panose="020B0503020204020204" pitchFamily="34" charset="-122"/>
+              <a:ea typeface="微软雅黑" panose="020B0503020204020204" pitchFamily="34" charset="-122"/>
+            </a:endParaRPr>
+          </a:p>
+          <a:p>
+            <a:pPr algn="just" defTabSz="914377">
+              <a:lnSpc>
+                <a:spcPts val="2000"/>
+              </a:lnSpc>
+              <a:buClr>
+                <a:srgbClr val="0070C0"/>
+              </a:buClr>
+              <a:defRPr/>
+            </a:pPr>
+            <a:endParaRPr lang="en-US" altLang="zh-CN" b="1" dirty="0">
+              <a:solidFill>
+                <a:schemeClr val="tx1">
+                  <a:lumMod val="75000"/>
+                  <a:lumOff val="25000"/>
+                </a:schemeClr>
+              </a:solidFill>
+              <a:latin typeface="微软雅黑" panose="020B0503020204020204" pitchFamily="34" charset="-122"/>
+              <a:ea typeface="微软雅黑" panose="020B0503020204020204" pitchFamily="34" charset="-122"/>
+            </a:endParaRPr>
+          </a:p>
+          <a:p>
+            <a:pPr algn="just" defTabSz="914377">
+              <a:lnSpc>
+                <a:spcPts val="2000"/>
+              </a:lnSpc>
+              <a:buClr>
+                <a:srgbClr val="0070C0"/>
+              </a:buClr>
+              <a:defRPr/>
+            </a:pPr>
+            <a:r>
+              <a:rPr lang="en-US" altLang="zh-CN" b="1" dirty="0">
+                <a:solidFill>
+                  <a:schemeClr val="tx1">
+                    <a:lumMod val="75000"/>
+                    <a:lumOff val="25000"/>
+                  </a:schemeClr>
+                </a:solidFill>
+                <a:latin typeface="微软雅黑" panose="020B0503020204020204" pitchFamily="34" charset="-122"/>
+                <a:ea typeface="微软雅黑" panose="020B0503020204020204" pitchFamily="34" charset="-122"/>
+              </a:rPr>
+              <a:t>4</a:t>
+            </a:r>
+            <a:r>
+              <a:rPr lang="zh-CN" altLang="en-US" b="1" dirty="0">
+                <a:solidFill>
+                  <a:schemeClr val="tx1">
+                    <a:lumMod val="75000"/>
+                    <a:lumOff val="25000"/>
+                  </a:schemeClr>
+                </a:solidFill>
+                <a:latin typeface="微软雅黑" panose="020B0503020204020204" pitchFamily="34" charset="-122"/>
+                <a:ea typeface="微软雅黑" panose="020B0503020204020204" pitchFamily="34" charset="-122"/>
+              </a:rPr>
+              <a:t>、浏览器</a:t>
+            </a:r>
+            <a:r>
+              <a:rPr lang="en-US" altLang="zh-CN" b="1" dirty="0">
+                <a:solidFill>
+                  <a:schemeClr val="tx1">
+                    <a:lumMod val="75000"/>
+                    <a:lumOff val="25000"/>
+                  </a:schemeClr>
+                </a:solidFill>
+                <a:latin typeface="微软雅黑" panose="020B0503020204020204" pitchFamily="34" charset="-122"/>
+                <a:ea typeface="微软雅黑" panose="020B0503020204020204" pitchFamily="34" charset="-122"/>
+              </a:rPr>
+              <a:t>JS</a:t>
+            </a:r>
+            <a:r>
+              <a:rPr lang="zh-CN" altLang="en-US" b="1" dirty="0">
+                <a:solidFill>
+                  <a:schemeClr val="tx1">
+                    <a:lumMod val="75000"/>
+                    <a:lumOff val="25000"/>
+                  </a:schemeClr>
+                </a:solidFill>
+                <a:latin typeface="微软雅黑" panose="020B0503020204020204" pitchFamily="34" charset="-122"/>
+                <a:ea typeface="微软雅黑" panose="020B0503020204020204" pitchFamily="34" charset="-122"/>
+              </a:rPr>
+              <a:t>兼容：</a:t>
+            </a:r>
+            <a:r>
+              <a:rPr lang="en-US" altLang="zh-CN" b="1" dirty="0">
+                <a:solidFill>
+                  <a:schemeClr val="tx1">
+                    <a:lumMod val="75000"/>
+                    <a:lumOff val="25000"/>
+                  </a:schemeClr>
+                </a:solidFill>
+                <a:latin typeface="微软雅黑" panose="020B0503020204020204" pitchFamily="34" charset="-122"/>
+                <a:ea typeface="微软雅黑" panose="020B0503020204020204" pitchFamily="34" charset="-122"/>
+              </a:rPr>
+              <a:t>es6 </a:t>
+            </a:r>
+            <a:r>
+              <a:rPr lang="zh-CN" altLang="en-US" b="1" dirty="0">
+                <a:solidFill>
+                  <a:schemeClr val="tx1">
+                    <a:lumMod val="75000"/>
+                    <a:lumOff val="25000"/>
+                  </a:schemeClr>
+                </a:solidFill>
+                <a:latin typeface="微软雅黑" panose="020B0503020204020204" pitchFamily="34" charset="-122"/>
+                <a:ea typeface="微软雅黑" panose="020B0503020204020204" pitchFamily="34" charset="-122"/>
+              </a:rPr>
+              <a:t>语法</a:t>
+            </a:r>
+            <a:endParaRPr lang="en-US" altLang="zh-CN" b="1" dirty="0">
+              <a:solidFill>
+                <a:schemeClr val="tx1">
+                  <a:lumMod val="75000"/>
+                  <a:lumOff val="25000"/>
+                </a:schemeClr>
+              </a:solidFill>
+              <a:latin typeface="微软雅黑" panose="020B0503020204020204" pitchFamily="34" charset="-122"/>
+              <a:ea typeface="微软雅黑" panose="020B0503020204020204" pitchFamily="34" charset="-122"/>
+            </a:endParaRPr>
+          </a:p>
+          <a:p>
+            <a:pPr algn="just" defTabSz="914377">
+              <a:lnSpc>
+                <a:spcPts val="2000"/>
+              </a:lnSpc>
+              <a:buClr>
+                <a:srgbClr val="0070C0"/>
+              </a:buClr>
+              <a:defRPr/>
+            </a:pPr>
+            <a:endParaRPr lang="en-US" altLang="zh-CN" b="1" dirty="0">
+              <a:solidFill>
+                <a:schemeClr val="tx1">
+                  <a:lumMod val="75000"/>
+                  <a:lumOff val="25000"/>
+                </a:schemeClr>
+              </a:solidFill>
+              <a:latin typeface="微软雅黑" panose="020B0503020204020204" pitchFamily="34" charset="-122"/>
+              <a:ea typeface="微软雅黑" panose="020B0503020204020204" pitchFamily="34" charset="-122"/>
+            </a:endParaRPr>
+          </a:p>
+          <a:p>
+            <a:pPr algn="just" defTabSz="914377">
+              <a:lnSpc>
+                <a:spcPts val="2000"/>
+              </a:lnSpc>
+              <a:buClr>
+                <a:srgbClr val="0070C0"/>
+              </a:buClr>
+              <a:defRPr/>
+            </a:pPr>
+            <a:endParaRPr lang="en-US" altLang="zh-CN" b="1" dirty="0">
+              <a:solidFill>
+                <a:schemeClr val="tx1">
+                  <a:lumMod val="75000"/>
+                  <a:lumOff val="25000"/>
+                </a:schemeClr>
+              </a:solidFill>
+              <a:latin typeface="微软雅黑" panose="020B0503020204020204" pitchFamily="34" charset="-122"/>
+              <a:ea typeface="微软雅黑" panose="020B0503020204020204" pitchFamily="34" charset="-122"/>
+            </a:endParaRPr>
+          </a:p>
+          <a:p>
+            <a:pPr algn="just" defTabSz="914377">
+              <a:lnSpc>
+                <a:spcPts val="2000"/>
+              </a:lnSpc>
+              <a:buClr>
+                <a:srgbClr val="0070C0"/>
+              </a:buClr>
+              <a:defRPr/>
+            </a:pPr>
+            <a:r>
+              <a:rPr lang="en-US" altLang="zh-CN" b="1" dirty="0">
+                <a:solidFill>
+                  <a:schemeClr val="tx1">
+                    <a:lumMod val="75000"/>
+                    <a:lumOff val="25000"/>
+                  </a:schemeClr>
+                </a:solidFill>
+                <a:latin typeface="微软雅黑" panose="020B0503020204020204" pitchFamily="34" charset="-122"/>
+                <a:ea typeface="微软雅黑" panose="020B0503020204020204" pitchFamily="34" charset="-122"/>
+              </a:rPr>
+              <a:t>5</a:t>
+            </a:r>
+            <a:r>
+              <a:rPr lang="zh-CN" altLang="en-US" b="1" dirty="0">
+                <a:solidFill>
+                  <a:schemeClr val="tx1">
+                    <a:lumMod val="75000"/>
+                    <a:lumOff val="25000"/>
+                  </a:schemeClr>
+                </a:solidFill>
+                <a:latin typeface="微软雅黑" panose="020B0503020204020204" pitchFamily="34" charset="-122"/>
+                <a:ea typeface="微软雅黑" panose="020B0503020204020204" pitchFamily="34" charset="-122"/>
+              </a:rPr>
+              <a:t>、浏览器</a:t>
+            </a:r>
+            <a:r>
+              <a:rPr lang="en-US" altLang="zh-CN" b="1" dirty="0">
+                <a:solidFill>
+                  <a:schemeClr val="tx1">
+                    <a:lumMod val="75000"/>
+                    <a:lumOff val="25000"/>
+                  </a:schemeClr>
+                </a:solidFill>
+                <a:latin typeface="微软雅黑" panose="020B0503020204020204" pitchFamily="34" charset="-122"/>
+                <a:ea typeface="微软雅黑" panose="020B0503020204020204" pitchFamily="34" charset="-122"/>
+              </a:rPr>
+              <a:t>JS</a:t>
+            </a:r>
+            <a:r>
+              <a:rPr lang="zh-CN" altLang="en-US" b="1" dirty="0">
+                <a:solidFill>
+                  <a:schemeClr val="tx1">
+                    <a:lumMod val="75000"/>
+                    <a:lumOff val="25000"/>
+                  </a:schemeClr>
+                </a:solidFill>
+                <a:latin typeface="微软雅黑" panose="020B0503020204020204" pitchFamily="34" charset="-122"/>
+                <a:ea typeface="微软雅黑" panose="020B0503020204020204" pitchFamily="34" charset="-122"/>
+              </a:rPr>
+              <a:t>兼容解决方案</a:t>
+            </a:r>
+            <a:endParaRPr lang="en-US" altLang="zh-CN" b="1" dirty="0">
+              <a:solidFill>
+                <a:schemeClr val="tx1">
+                  <a:lumMod val="75000"/>
+                  <a:lumOff val="25000"/>
+                </a:schemeClr>
+              </a:solidFill>
+              <a:latin typeface="微软雅黑" panose="020B0503020204020204" pitchFamily="34" charset="-122"/>
+              <a:ea typeface="微软雅黑" panose="020B0503020204020204" pitchFamily="34" charset="-122"/>
+            </a:endParaRPr>
+          </a:p>
+          <a:p>
+            <a:pPr algn="just" defTabSz="914377">
+              <a:lnSpc>
+                <a:spcPts val="2000"/>
+              </a:lnSpc>
+              <a:buClr>
+                <a:srgbClr val="0070C0"/>
+              </a:buClr>
+              <a:defRPr/>
+            </a:pPr>
+            <a:endParaRPr lang="en-US" altLang="zh-CN" b="1" dirty="0">
+              <a:solidFill>
+                <a:schemeClr val="tx1">
+                  <a:lumMod val="75000"/>
+                  <a:lumOff val="25000"/>
+                </a:schemeClr>
+              </a:solidFill>
+              <a:latin typeface="微软雅黑" panose="020B0503020204020204" pitchFamily="34" charset="-122"/>
+              <a:ea typeface="微软雅黑" panose="020B0503020204020204" pitchFamily="34" charset="-122"/>
+            </a:endParaRPr>
+          </a:p>
+          <a:p>
+            <a:pPr algn="just" defTabSz="914377">
+              <a:lnSpc>
+                <a:spcPts val="2000"/>
+              </a:lnSpc>
+              <a:buClr>
+                <a:srgbClr val="0070C0"/>
+              </a:buClr>
+              <a:defRPr/>
+            </a:pPr>
+            <a:endParaRPr lang="en-US" altLang="zh-CN" dirty="0">
+              <a:solidFill>
+                <a:schemeClr val="tx1">
+                  <a:lumMod val="75000"/>
+                  <a:lumOff val="25000"/>
+                </a:schemeClr>
+              </a:solidFill>
+              <a:latin typeface="微软雅黑" panose="020B0503020204020204" pitchFamily="34" charset="-122"/>
+              <a:ea typeface="微软雅黑" panose="020B0503020204020204" pitchFamily="34" charset="-122"/>
+            </a:endParaRPr>
+          </a:p>
+        </p:txBody>
+      </p:sp>
+      <p:sp>
+        <p:nvSpPr>
+          <p:cNvPr id="2" name="标题 1"/>
+          <p:cNvSpPr>
+            <a:spLocks noGrp="1"/>
+          </p:cNvSpPr>
+          <p:nvPr>
+            <p:ph type="title"/>
+          </p:nvPr>
+        </p:nvSpPr>
+        <p:spPr/>
+        <p:txBody>
+          <a:bodyPr>
+            <a:normAutofit fontScale="90000"/>
+          </a:bodyPr>
+          <a:lstStyle/>
+          <a:p>
+            <a:r>
+              <a:rPr lang="zh-CN" altLang="en-US" dirty="0"/>
+              <a:t>组件</a:t>
+            </a:r>
+            <a:r>
+              <a:rPr lang="en-US" altLang="zh-CN" dirty="0"/>
+              <a:t> 		</a:t>
+            </a:r>
+            <a:endParaRPr lang="zh-CN" altLang="en-US" sz="2000" dirty="0"/>
+          </a:p>
+        </p:txBody>
+      </p:sp>
+    </p:spTree>
+    <p:extLst>
+      <p:ext uri="{BB962C8B-B14F-4D97-AF65-F5344CB8AC3E}">
+        <p14:creationId xmlns:p14="http://schemas.microsoft.com/office/powerpoint/2010/main" val="928027651"/>
+      </p:ext>
+    </p:extLst>
+  </p:cSld>
+  <p:clrMapOvr>
+    <a:masterClrMapping/>
+  </p:clrMapOvr>
+  <mc:AlternateContent xmlns:mc="http://schemas.openxmlformats.org/markup-compatibility/2006" xmlns:p14="http://schemas.microsoft.com/office/powerpoint/2010/main">
+    <mc:Choice Requires="p14">
+      <p:transition spd="med" p14:dur="700">
+        <p:fade/>
+      </p:transition>
+    </mc:Choice>
+    <mc:Fallback xmlns="">
+      <p:transition spd="med">
+        <p:fade/>
+      </p:transition>
+    </mc:Fallback>
+  </mc:AlternateContent>
+  <p:timing>
+    <p:tnLst>
+      <p:par>
+        <p:cTn id="1" dur="indefinite" restart="never" nodeType="tmRoot">
+          <p:childTnLst>
+            <p:seq concurrent="1" nextAc="seek">
+              <p:cTn id="2" dur="indefinite" nodeType="mainSeq">
+                <p:childTnLst>
+                  <p:par>
+                    <p:cTn id="3" fill="hold">
+                      <p:stCondLst>
+                        <p:cond delay="indefinite"/>
+                        <p:cond evt="onBegin" delay="0">
+                          <p:tn val="2"/>
+                        </p:cond>
+                      </p:stCondLst>
+                      <p:childTnLst>
+                        <p:par>
+                          <p:cTn id="4" fill="hold">
+                            <p:stCondLst>
+                              <p:cond delay="0"/>
+                            </p:stCondLst>
+                            <p:childTnLst>
+                              <p:par>
+                                <p:cTn id="5" presetID="12" presetClass="entr" presetSubtype="4" fill="hold" grpId="0" nodeType="withEffect">
+                                  <p:stCondLst>
+                                    <p:cond delay="700"/>
+                                  </p:stCondLst>
+                                  <p:childTnLst>
+                                    <p:set>
+                                      <p:cBhvr>
+                                        <p:cTn id="6" dur="1" fill="hold">
+                                          <p:stCondLst>
+                                            <p:cond delay="0"/>
+                                          </p:stCondLst>
+                                        </p:cTn>
+                                        <p:tgtEl>
+                                          <p:spTgt spid="9"/>
+                                        </p:tgtEl>
+                                        <p:attrNameLst>
+                                          <p:attrName>style.visibility</p:attrName>
+                                        </p:attrNameLst>
+                                      </p:cBhvr>
+                                      <p:to>
+                                        <p:strVal val="visible"/>
+                                      </p:to>
+                                    </p:set>
+                                    <p:anim calcmode="lin" valueType="num">
+                                      <p:cBhvr additive="base">
+                                        <p:cTn id="7" dur="500"/>
+                                        <p:tgtEl>
+                                          <p:spTgt spid="9"/>
+                                        </p:tgtEl>
+                                        <p:attrNameLst>
+                                          <p:attrName>ppt_y</p:attrName>
+                                        </p:attrNameLst>
+                                      </p:cBhvr>
+                                      <p:tavLst>
+                                        <p:tav tm="0">
+                                          <p:val>
+                                            <p:strVal val="#ppt_y+#ppt_h*1.125000"/>
+                                          </p:val>
+                                        </p:tav>
+                                        <p:tav tm="100000">
+                                          <p:val>
+                                            <p:strVal val="#ppt_y"/>
+                                          </p:val>
+                                        </p:tav>
+                                      </p:tavLst>
+                                    </p:anim>
+                                    <p:animEffect transition="in" filter="wipe(up)">
+                                      <p:cBhvr>
+                                        <p:cTn id="8" dur="500"/>
+                                        <p:tgtEl>
+                                          <p:spTgt spid="9"/>
+                                        </p:tgtEl>
+                                      </p:cBhvr>
+                                    </p:animEffect>
+                                  </p:childTnLst>
+                                </p:cTn>
+                              </p:par>
+                            </p:childTnLst>
+                          </p:cTn>
+                        </p:par>
+                      </p:childTnLst>
+                    </p:cTn>
+                  </p:par>
+                </p:childTnLst>
+              </p:cTn>
+              <p:prevCondLst>
+                <p:cond evt="onPrev" delay="0">
+                  <p:tgtEl>
+                    <p:sldTgt/>
+                  </p:tgtEl>
+                </p:cond>
+              </p:prevCondLst>
+              <p:nextCondLst>
+                <p:cond evt="onNext" delay="0">
+                  <p:tgtEl>
+                    <p:sldTgt/>
+                  </p:tgtEl>
+                </p:cond>
+              </p:nextCondLst>
+            </p:seq>
+          </p:childTnLst>
+        </p:cTn>
+      </p:par>
+    </p:tnLst>
+    <p:bldLst>
+      <p:bldP spid="9" grpId="0"/>
+    </p:bldLst>
+  </p:timing>
+</p:sld>
+</file>
+
+<file path=ppt/slides/slide7.xml><?xml version="1.0" encoding="utf-8"?>
 <p:sld xmlns:a="http://schemas.openxmlformats.org/drawingml/2006/main" xmlns:r="http://schemas.openxmlformats.org/officeDocument/2006/relationships" xmlns:p="http://schemas.openxmlformats.org/presentationml/2006/main">
   <p:cSld>
     <p:spTree>
